--- a/susecon/2017/HO126885/HO126885 - Advanced Alchemy Building Gold-Master Images with Kiwi.pptx
+++ b/susecon/2017/HO126885/HO126885 - Advanced Alchemy Building Gold-Master Images with Kiwi.pptx
@@ -5,10 +5,10 @@
     <p:sldMasterId id="2147483775" r:id="rId1"/>
   </p:sldMasterIdLst>
   <p:notesMasterIdLst>
-    <p:notesMasterId r:id="rId26"/>
+    <p:notesMasterId r:id="rId28"/>
   </p:notesMasterIdLst>
   <p:handoutMasterIdLst>
-    <p:handoutMasterId r:id="rId27"/>
+    <p:handoutMasterId r:id="rId29"/>
   </p:handoutMasterIdLst>
   <p:sldIdLst>
     <p:sldId id="291" r:id="rId2"/>
@@ -27,14 +27,16 @@
     <p:sldId id="357" r:id="rId15"/>
     <p:sldId id="358" r:id="rId16"/>
     <p:sldId id="360" r:id="rId17"/>
-    <p:sldId id="338" r:id="rId18"/>
-    <p:sldId id="340" r:id="rId19"/>
-    <p:sldId id="327" r:id="rId20"/>
-    <p:sldId id="351" r:id="rId21"/>
-    <p:sldId id="353" r:id="rId22"/>
-    <p:sldId id="336" r:id="rId23"/>
-    <p:sldId id="294" r:id="rId24"/>
-    <p:sldId id="354" r:id="rId25"/>
+    <p:sldId id="362" r:id="rId18"/>
+    <p:sldId id="365" r:id="rId19"/>
+    <p:sldId id="363" r:id="rId20"/>
+    <p:sldId id="364" r:id="rId21"/>
+    <p:sldId id="366" r:id="rId22"/>
+    <p:sldId id="367" r:id="rId23"/>
+    <p:sldId id="327" r:id="rId24"/>
+    <p:sldId id="340" r:id="rId25"/>
+    <p:sldId id="294" r:id="rId26"/>
+    <p:sldId id="354" r:id="rId27"/>
   </p:sldIdLst>
   <p:sldSz cx="9144000" cy="5143500" type="screen16x9"/>
   <p:notesSz cx="6858000" cy="9144000"/>
@@ -158,12 +160,14 @@
             <p14:sldId id="357"/>
             <p14:sldId id="358"/>
             <p14:sldId id="360"/>
-            <p14:sldId id="338"/>
+            <p14:sldId id="362"/>
+            <p14:sldId id="365"/>
+            <p14:sldId id="363"/>
+            <p14:sldId id="364"/>
+            <p14:sldId id="366"/>
+            <p14:sldId id="367"/>
+            <p14:sldId id="327"/>
             <p14:sldId id="340"/>
-            <p14:sldId id="327"/>
-            <p14:sldId id="351"/>
-            <p14:sldId id="353"/>
-            <p14:sldId id="336"/>
             <p14:sldId id="294"/>
             <p14:sldId id="354"/>
           </p14:sldIdLst>
@@ -277,7 +281,7 @@
           <a:p>
             <a:fld id="{9E393F1F-7F52-4E99-B661-018001979420}" type="datetimeFigureOut">
               <a:rPr lang="en-US" smtClean="0"/>
-              <a:t>8/25/2017</a:t>
+              <a:t>9/28/2017</a:t>
             </a:fld>
             <a:endParaRPr lang="en-US"/>
           </a:p>
@@ -442,7 +446,7 @@
           <a:p>
             <a:fld id="{12039EE6-6CB5-4158-8481-91E159A52F78}" type="datetimeFigureOut">
               <a:rPr lang="en-US" smtClean="0"/>
-              <a:t>8/25/2017</a:t>
+              <a:t>9/28/2017</a:t>
             </a:fld>
             <a:endParaRPr lang="en-US" dirty="0"/>
           </a:p>
@@ -7481,7 +7485,7 @@
             </a:pPr>
             <a:r>
               <a:rPr lang="en-US" dirty="0"/>
-              <a:t>Optional: Image directory</a:t>
+              <a:t>Optional: Image build directory</a:t>
             </a:r>
           </a:p>
           <a:p>
@@ -8138,7 +8142,7 @@
           <a:p>
             <a:r>
               <a:rPr lang="en-US" dirty="0"/>
-              <a:t>Additional Customization</a:t>
+              <a:t>Customizing a Template</a:t>
             </a:r>
           </a:p>
         </p:txBody>
@@ -8161,8 +8165,8 @@
         </p:nvSpPr>
         <p:spPr>
           <a:xfrm>
-            <a:off x="874644" y="1127342"/>
-            <a:ext cx="4331537" cy="3537531"/>
+            <a:off x="874645" y="1127342"/>
+            <a:ext cx="3700258" cy="3537531"/>
           </a:xfrm>
         </p:spPr>
         <p:txBody>
@@ -8193,6 +8197,41 @@
             <a:r>
               <a:rPr lang="en-US" dirty="0"/>
               <a:t>config-yast-autoyast.xml</a:t>
+            </a:r>
+          </a:p>
+          <a:p>
+            <a:pPr marL="400050" lvl="1" indent="-285750"/>
+            <a:r>
+              <a:rPr lang="en-US" dirty="0"/>
+              <a:t>Executes on-boot after network start</a:t>
+            </a:r>
+          </a:p>
+          <a:p>
+            <a:pPr marL="400050" lvl="1" indent="-285750"/>
+            <a:r>
+              <a:rPr lang="en-US" dirty="0"/>
+              <a:t>Used to configure things too specific for a generic template</a:t>
+            </a:r>
+          </a:p>
+          <a:p>
+            <a:pPr marL="400050" lvl="1" indent="-285750"/>
+            <a:r>
+              <a:rPr lang="en-US" dirty="0"/>
+              <a:t>NOT used to modify the basic structure of the image</a:t>
+            </a:r>
+          </a:p>
+          <a:p>
+            <a:pPr marL="514350" lvl="2" indent="-285750"/>
+            <a:r>
+              <a:rPr lang="en-US" dirty="0"/>
+              <a:t>Partitioning</a:t>
+            </a:r>
+          </a:p>
+          <a:p>
+            <a:pPr marL="514350" lvl="2" indent="-285750"/>
+            <a:r>
+              <a:rPr lang="en-US" dirty="0"/>
+              <a:t>Package installation</a:t>
             </a:r>
           </a:p>
         </p:txBody>
@@ -8485,8 +8524,8 @@
           </p:nvCxnSpPr>
           <p:spPr>
             <a:xfrm flipH="1">
-              <a:off x="6005052" y="1361545"/>
-              <a:ext cx="19665" cy="948005"/>
+              <a:off x="6005020" y="1361545"/>
+              <a:ext cx="19697" cy="1161212"/>
             </a:xfrm>
             <a:prstGeom prst="line">
               <a:avLst/>
@@ -8568,8 +8607,8 @@
           </p:nvCxnSpPr>
           <p:spPr>
             <a:xfrm>
-              <a:off x="6005054" y="2103131"/>
-              <a:ext cx="376088" cy="1"/>
+              <a:off x="6012431" y="2103132"/>
+              <a:ext cx="368712" cy="0"/>
             </a:xfrm>
             <a:prstGeom prst="straightConnector1">
               <a:avLst/>
@@ -8695,7 +8734,7 @@
         </p:nvCxnSpPr>
         <p:spPr>
           <a:xfrm>
-            <a:off x="5632871" y="3059378"/>
+            <a:off x="5632871" y="3134442"/>
             <a:ext cx="378213" cy="2"/>
           </a:xfrm>
           <a:prstGeom prst="straightConnector1">
@@ -8735,7 +8774,7 @@
         </p:nvSpPr>
         <p:spPr>
           <a:xfrm>
-            <a:off x="6058082" y="2897631"/>
+            <a:off x="6058082" y="2965871"/>
             <a:ext cx="2299339" cy="307777"/>
           </a:xfrm>
           <a:prstGeom prst="rect">
@@ -8804,7 +8843,13 @@
       </p:grpSpPr>
       <p:sp>
         <p:nvSpPr>
-          <p:cNvPr id="3" name="Title 2"/>
+          <p:cNvPr id="2" name="Title 1">
+            <a:extLst>
+              <a:ext uri="{FF2B5EF4-FFF2-40B4-BE49-F238E27FC236}">
+                <a16:creationId xmlns:a16="http://schemas.microsoft.com/office/drawing/2014/main" id="{B34C4856-EC47-45CB-9121-904CBB520075}"/>
+              </a:ext>
+            </a:extLst>
+          </p:cNvPr>
           <p:cNvSpPr>
             <a:spLocks noGrp="1"/>
           </p:cNvSpPr>
@@ -8812,7 +8857,12 @@
             <p:ph type="title"/>
           </p:nvPr>
         </p:nvSpPr>
-        <p:spPr/>
+        <p:spPr>
+          <a:xfrm>
+            <a:off x="874645" y="342900"/>
+            <a:ext cx="7966145" cy="585787"/>
+          </a:xfrm>
+        </p:spPr>
         <p:txBody>
           <a:bodyPr/>
           <a:lstStyle/>
@@ -8826,34 +8876,13 @@
       </p:sp>
       <p:sp>
         <p:nvSpPr>
-          <p:cNvPr id="9" name="Text Placeholder 8"/>
-          <p:cNvSpPr>
-            <a:spLocks noGrp="1"/>
-          </p:cNvSpPr>
-          <p:nvPr>
-            <p:ph type="body" sz="quarter" idx="13"/>
-          </p:nvPr>
-        </p:nvSpPr>
-        <p:spPr/>
-        <p:txBody>
-          <a:bodyPr/>
-          <a:lstStyle/>
-          <a:p>
-            <a:r>
-              <a:rPr lang="en-US" dirty="0"/>
-              <a:t>Embedded </a:t>
-            </a:r>
-            <a:r>
-              <a:rPr lang="en-US" dirty="0" err="1"/>
-              <a:t>AutoYast</a:t>
-            </a:r>
-            <a:endParaRPr lang="en-US" dirty="0"/>
-          </a:p>
-        </p:txBody>
-      </p:sp>
-      <p:sp>
-        <p:nvSpPr>
-          <p:cNvPr id="4" name="Content Placeholder 3"/>
+          <p:cNvPr id="3" name="Content Placeholder 2">
+            <a:extLst>
+              <a:ext uri="{FF2B5EF4-FFF2-40B4-BE49-F238E27FC236}">
+                <a16:creationId xmlns:a16="http://schemas.microsoft.com/office/drawing/2014/main" id="{C4DF7C0D-B435-44B5-9893-70987DF99A61}"/>
+              </a:ext>
+            </a:extLst>
+          </p:cNvPr>
           <p:cNvSpPr>
             <a:spLocks noGrp="1"/>
           </p:cNvSpPr>
@@ -8861,18 +8890,19 @@
             <p:ph idx="1"/>
           </p:nvPr>
         </p:nvSpPr>
-        <p:spPr/>
+        <p:spPr>
+          <a:xfrm>
+            <a:off x="874645" y="1127342"/>
+            <a:ext cx="3700258" cy="3537531"/>
+          </a:xfrm>
+        </p:spPr>
         <p:txBody>
           <a:bodyPr/>
           <a:lstStyle/>
           <a:p>
-            <a:pPr marL="285750" indent="-285750">
-              <a:buFont typeface="Arial" panose="020B0604020202020204" pitchFamily="34" charset="0"/>
-              <a:buChar char="•"/>
-            </a:pPr>
             <a:r>
               <a:rPr lang="en-US" dirty="0"/>
-              <a:t>Executes on first boot, after network start</a:t>
+              <a:t>Image Directory</a:t>
             </a:r>
           </a:p>
           <a:p>
@@ -8882,26 +8912,742 @@
             </a:pPr>
             <a:r>
               <a:rPr lang="en-US" dirty="0"/>
-              <a:t>Contains information that is not generic enough to be part of the template image</a:t>
+              <a:t>Hooks</a:t>
             </a:r>
           </a:p>
           <a:p>
             <a:pPr marL="400050" lvl="1" indent="-285750"/>
             <a:r>
               <a:rPr lang="en-US" dirty="0"/>
-              <a:t>Network</a:t>
+              <a:t>kiwi-hooks.tgz</a:t>
             </a:r>
           </a:p>
           <a:p>
             <a:pPr marL="400050" lvl="1" indent="-285750"/>
+            <a:r>
+              <a:rPr lang="en-US" dirty="0"/>
+              <a:t>Embedded into </a:t>
+            </a:r>
+            <a:r>
+              <a:rPr lang="en-US" dirty="0" err="1"/>
+              <a:t>initrd</a:t>
+            </a:r>
+            <a:r>
+              <a:rPr lang="en-US" dirty="0"/>
+              <a:t> </a:t>
+            </a:r>
+          </a:p>
+          <a:p>
+            <a:pPr marL="400050" lvl="1" indent="-285750"/>
+            <a:r>
+              <a:rPr lang="en-US" dirty="0"/>
+              <a:t>Available hooks differs by image type</a:t>
+            </a:r>
+          </a:p>
+          <a:p>
+            <a:pPr marL="400050" lvl="1" indent="-285750"/>
+            <a:r>
+              <a:rPr lang="en-US" dirty="0"/>
+              <a:t>Tar file MUST include:</a:t>
+            </a:r>
+          </a:p>
+          <a:p>
+            <a:pPr marL="514350" lvl="2" indent="-285750"/>
+            <a:r>
+              <a:rPr lang="en-US" dirty="0"/>
+              <a:t>Root level directory called “kiwi-hooks”</a:t>
+            </a:r>
+          </a:p>
+          <a:p>
+            <a:pPr marL="514350" lvl="2" indent="-285750"/>
+            <a:r>
+              <a:rPr lang="en-US" dirty="0"/>
+              <a:t>Scripts inside the kiwi-hooks directory</a:t>
+            </a:r>
+          </a:p>
+          <a:p>
+            <a:pPr marL="628650" lvl="3" indent="-285750"/>
+            <a:r>
+              <a:rPr lang="en-US" dirty="0"/>
+              <a:t>No subdirectories</a:t>
+            </a:r>
+          </a:p>
+          <a:p>
+            <a:pPr marL="628650" lvl="3" indent="-285750"/>
+            <a:r>
+              <a:rPr lang="en-US" dirty="0"/>
+              <a:t>Script names must match the hook</a:t>
+            </a:r>
+          </a:p>
+          <a:p>
+            <a:pPr marL="742950" lvl="4" indent="-285750"/>
+            <a:r>
+              <a:rPr lang="en-US" dirty="0"/>
+              <a:t>&lt;hook name&gt;.</a:t>
+            </a:r>
+            <a:r>
+              <a:rPr lang="en-US" dirty="0" err="1"/>
+              <a:t>sh</a:t>
+            </a:r>
             <a:endParaRPr lang="en-US" dirty="0"/>
+          </a:p>
+          <a:p>
+            <a:pPr marL="742950" lvl="4" indent="-285750"/>
+            <a:r>
+              <a:rPr lang="en-US" dirty="0"/>
+              <a:t>Capitalization matters</a:t>
+            </a:r>
+          </a:p>
+        </p:txBody>
+      </p:sp>
+      <p:grpSp>
+        <p:nvGrpSpPr>
+          <p:cNvPr id="20" name="Group 19">
+            <a:extLst>
+              <a:ext uri="{FF2B5EF4-FFF2-40B4-BE49-F238E27FC236}">
+                <a16:creationId xmlns:a16="http://schemas.microsoft.com/office/drawing/2014/main" id="{1C4DBD49-5873-413B-853C-13DA5A0522DC}"/>
+              </a:ext>
+            </a:extLst>
+          </p:cNvPr>
+          <p:cNvGrpSpPr/>
+          <p:nvPr/>
+        </p:nvGrpSpPr>
+        <p:grpSpPr>
+          <a:xfrm>
+            <a:off x="4933341" y="925461"/>
+            <a:ext cx="3524860" cy="2835378"/>
+            <a:chOff x="5309420" y="1090471"/>
+            <a:chExt cx="3505059" cy="1840748"/>
+          </a:xfrm>
+        </p:grpSpPr>
+        <p:sp>
+          <p:nvSpPr>
+            <p:cNvPr id="19" name="Rectangle: Rounded Corners 18">
+              <a:extLst>
+                <a:ext uri="{FF2B5EF4-FFF2-40B4-BE49-F238E27FC236}">
+                  <a16:creationId xmlns:a16="http://schemas.microsoft.com/office/drawing/2014/main" id="{6C03226B-A3EB-4083-B204-EF1DBEA7E4D7}"/>
+                </a:ext>
+              </a:extLst>
+            </p:cNvPr>
+            <p:cNvSpPr/>
+            <p:nvPr/>
+          </p:nvSpPr>
+          <p:spPr>
+            <a:xfrm>
+              <a:off x="5309420" y="1090471"/>
+              <a:ext cx="3505059" cy="1840748"/>
+            </a:xfrm>
+            <a:prstGeom prst="roundRect">
+              <a:avLst/>
+            </a:prstGeom>
+            <a:solidFill>
+              <a:schemeClr val="accent5"/>
+            </a:solidFill>
+            <a:ln>
+              <a:noFill/>
+            </a:ln>
+          </p:spPr>
+          <p:style>
+            <a:lnRef idx="0">
+              <a:scrgbClr r="0" g="0" b="0"/>
+            </a:lnRef>
+            <a:fillRef idx="0">
+              <a:scrgbClr r="0" g="0" b="0"/>
+            </a:fillRef>
+            <a:effectRef idx="0">
+              <a:scrgbClr r="0" g="0" b="0"/>
+            </a:effectRef>
+            <a:fontRef idx="minor">
+              <a:schemeClr val="lt1"/>
+            </a:fontRef>
+          </p:style>
+          <p:txBody>
+            <a:bodyPr rtlCol="0" anchor="ctr"/>
+            <a:lstStyle/>
+            <a:p>
+              <a:pPr algn="ctr"/>
+              <a:endParaRPr lang="en-US" dirty="0"/>
+            </a:p>
+          </p:txBody>
+        </p:sp>
+        <p:sp>
+          <p:nvSpPr>
+            <p:cNvPr id="4" name="TextBox 3">
+              <a:extLst>
+                <a:ext uri="{FF2B5EF4-FFF2-40B4-BE49-F238E27FC236}">
+                  <a16:creationId xmlns:a16="http://schemas.microsoft.com/office/drawing/2014/main" id="{A5408AE2-9C3F-4F6D-A018-77C5591B260E}"/>
+                </a:ext>
+              </a:extLst>
+            </p:cNvPr>
+            <p:cNvSpPr txBox="1"/>
+            <p:nvPr/>
+          </p:nvSpPr>
+          <p:spPr>
+            <a:xfrm>
+              <a:off x="5589639" y="1155236"/>
+              <a:ext cx="870155" cy="206309"/>
+            </a:xfrm>
+            <a:prstGeom prst="rect">
+              <a:avLst/>
+            </a:prstGeom>
+            <a:noFill/>
+          </p:spPr>
+          <p:txBody>
+            <a:bodyPr wrap="square" rtlCol="0">
+              <a:spAutoFit/>
+            </a:bodyPr>
+            <a:lstStyle/>
+            <a:p>
+              <a:pPr algn="ctr"/>
+              <a:r>
+                <a:rPr lang="en-US" sz="1400" b="1" dirty="0">
+                  <a:solidFill>
+                    <a:schemeClr val="tx2"/>
+                  </a:solidFill>
+                </a:rPr>
+                <a:t>demo</a:t>
+              </a:r>
+            </a:p>
+          </p:txBody>
+        </p:sp>
+        <p:sp>
+          <p:nvSpPr>
+            <p:cNvPr id="5" name="TextBox 4">
+              <a:extLst>
+                <a:ext uri="{FF2B5EF4-FFF2-40B4-BE49-F238E27FC236}">
+                  <a16:creationId xmlns:a16="http://schemas.microsoft.com/office/drawing/2014/main" id="{7343D49F-A98E-4C31-BDA3-3760C97799D6}"/>
+                </a:ext>
+              </a:extLst>
+            </p:cNvPr>
+            <p:cNvSpPr txBox="1"/>
+            <p:nvPr/>
+          </p:nvSpPr>
+          <p:spPr>
+            <a:xfrm>
+              <a:off x="6435213" y="1521808"/>
+              <a:ext cx="1211826" cy="307777"/>
+            </a:xfrm>
+            <a:prstGeom prst="rect">
+              <a:avLst/>
+            </a:prstGeom>
+            <a:noFill/>
+          </p:spPr>
+          <p:txBody>
+            <a:bodyPr wrap="square" rtlCol="0">
+              <a:spAutoFit/>
+            </a:bodyPr>
+            <a:lstStyle/>
+            <a:p>
+              <a:r>
+                <a:rPr lang="en-US" sz="1400" b="1" dirty="0" err="1">
+                  <a:solidFill>
+                    <a:schemeClr val="tx2"/>
+                  </a:solidFill>
+                </a:rPr>
+                <a:t>demo.kiwi</a:t>
+              </a:r>
+              <a:endParaRPr lang="en-US" sz="1400" b="1" dirty="0">
+                <a:solidFill>
+                  <a:schemeClr val="tx2"/>
+                </a:solidFill>
+              </a:endParaRPr>
+            </a:p>
+          </p:txBody>
+        </p:sp>
+        <p:sp>
+          <p:nvSpPr>
+            <p:cNvPr id="6" name="TextBox 5">
+              <a:extLst>
+                <a:ext uri="{FF2B5EF4-FFF2-40B4-BE49-F238E27FC236}">
+                  <a16:creationId xmlns:a16="http://schemas.microsoft.com/office/drawing/2014/main" id="{3F0DCD87-1335-471F-8D11-26CF4D974331}"/>
+                </a:ext>
+              </a:extLst>
+            </p:cNvPr>
+            <p:cNvSpPr txBox="1"/>
+            <p:nvPr/>
+          </p:nvSpPr>
+          <p:spPr>
+            <a:xfrm>
+              <a:off x="6432758" y="1755327"/>
+              <a:ext cx="1211826" cy="307777"/>
+            </a:xfrm>
+            <a:prstGeom prst="rect">
+              <a:avLst/>
+            </a:prstGeom>
+            <a:noFill/>
+          </p:spPr>
+          <p:txBody>
+            <a:bodyPr wrap="square" rtlCol="0">
+              <a:spAutoFit/>
+            </a:bodyPr>
+            <a:lstStyle/>
+            <a:p>
+              <a:r>
+                <a:rPr lang="en-US" sz="1400" b="1" dirty="0">
+                  <a:solidFill>
+                    <a:schemeClr val="tx2"/>
+                  </a:solidFill>
+                </a:rPr>
+                <a:t>root</a:t>
+              </a:r>
+            </a:p>
+          </p:txBody>
+        </p:sp>
+        <p:sp>
+          <p:nvSpPr>
+            <p:cNvPr id="7" name="TextBox 6">
+              <a:extLst>
+                <a:ext uri="{FF2B5EF4-FFF2-40B4-BE49-F238E27FC236}">
+                  <a16:creationId xmlns:a16="http://schemas.microsoft.com/office/drawing/2014/main" id="{7137D407-73A0-4865-A1BD-207C6CC86314}"/>
+                </a:ext>
+              </a:extLst>
+            </p:cNvPr>
+            <p:cNvSpPr txBox="1"/>
+            <p:nvPr/>
+          </p:nvSpPr>
+          <p:spPr>
+            <a:xfrm>
+              <a:off x="6430302" y="1988840"/>
+              <a:ext cx="1211826" cy="307777"/>
+            </a:xfrm>
+            <a:prstGeom prst="rect">
+              <a:avLst/>
+            </a:prstGeom>
+            <a:noFill/>
+          </p:spPr>
+          <p:txBody>
+            <a:bodyPr wrap="square" rtlCol="0">
+              <a:spAutoFit/>
+            </a:bodyPr>
+            <a:lstStyle/>
+            <a:p>
+              <a:r>
+                <a:rPr lang="en-US" sz="1400" b="1" dirty="0">
+                  <a:solidFill>
+                    <a:schemeClr val="tx2"/>
+                  </a:solidFill>
+                </a:rPr>
+                <a:t>config.sh</a:t>
+              </a:r>
+            </a:p>
+          </p:txBody>
+        </p:sp>
+        <p:sp>
+          <p:nvSpPr>
+            <p:cNvPr id="8" name="TextBox 7">
+              <a:extLst>
+                <a:ext uri="{FF2B5EF4-FFF2-40B4-BE49-F238E27FC236}">
+                  <a16:creationId xmlns:a16="http://schemas.microsoft.com/office/drawing/2014/main" id="{AD54E37B-DAC1-4006-A189-45C9DA4AB4B9}"/>
+                </a:ext>
+              </a:extLst>
+            </p:cNvPr>
+            <p:cNvSpPr txBox="1"/>
+            <p:nvPr/>
+          </p:nvSpPr>
+          <p:spPr>
+            <a:xfrm>
+              <a:off x="6427843" y="2214980"/>
+              <a:ext cx="1211826" cy="307777"/>
+            </a:xfrm>
+            <a:prstGeom prst="rect">
+              <a:avLst/>
+            </a:prstGeom>
+            <a:noFill/>
+          </p:spPr>
+          <p:txBody>
+            <a:bodyPr wrap="square" rtlCol="0">
+              <a:spAutoFit/>
+            </a:bodyPr>
+            <a:lstStyle/>
+            <a:p>
+              <a:r>
+                <a:rPr lang="en-US" sz="1400" b="1" dirty="0">
+                  <a:solidFill>
+                    <a:schemeClr val="tx2"/>
+                  </a:solidFill>
+                </a:rPr>
+                <a:t>image</a:t>
+              </a:r>
+            </a:p>
+          </p:txBody>
+        </p:sp>
+        <p:cxnSp>
+          <p:nvCxnSpPr>
+            <p:cNvPr id="10" name="Straight Connector 9">
+              <a:extLst>
+                <a:ext uri="{FF2B5EF4-FFF2-40B4-BE49-F238E27FC236}">
+                  <a16:creationId xmlns:a16="http://schemas.microsoft.com/office/drawing/2014/main" id="{D88ED43F-6677-4C80-8E63-D6F43BB4A846}"/>
+                </a:ext>
+              </a:extLst>
+            </p:cNvPr>
+            <p:cNvCxnSpPr>
+              <a:cxnSpLocks/>
+              <a:stCxn id="4" idx="2"/>
+            </p:cNvCxnSpPr>
+            <p:nvPr/>
+          </p:nvCxnSpPr>
+          <p:spPr>
+            <a:xfrm flipH="1">
+              <a:off x="6005020" y="1361545"/>
+              <a:ext cx="19697" cy="1385995"/>
+            </a:xfrm>
+            <a:prstGeom prst="line">
+              <a:avLst/>
+            </a:prstGeom>
+            <a:ln w="19050" cap="rnd">
+              <a:round/>
+            </a:ln>
+          </p:spPr>
+          <p:style>
+            <a:lnRef idx="1">
+              <a:schemeClr val="accent1"/>
+            </a:lnRef>
+            <a:fillRef idx="0">
+              <a:schemeClr val="accent1"/>
+            </a:fillRef>
+            <a:effectRef idx="0">
+              <a:schemeClr val="accent1"/>
+            </a:effectRef>
+            <a:fontRef idx="minor">
+              <a:schemeClr val="tx1"/>
+            </a:fontRef>
+          </p:style>
+        </p:cxnSp>
+        <p:cxnSp>
+          <p:nvCxnSpPr>
+            <p:cNvPr id="15" name="Straight Arrow Connector 14">
+              <a:extLst>
+                <a:ext uri="{FF2B5EF4-FFF2-40B4-BE49-F238E27FC236}">
+                  <a16:creationId xmlns:a16="http://schemas.microsoft.com/office/drawing/2014/main" id="{67AB2946-6B5D-49E8-99D4-A62D8F56C140}"/>
+                </a:ext>
+              </a:extLst>
+            </p:cNvPr>
+            <p:cNvCxnSpPr>
+              <a:cxnSpLocks/>
+            </p:cNvCxnSpPr>
+            <p:nvPr/>
+          </p:nvCxnSpPr>
+          <p:spPr>
+            <a:xfrm>
+              <a:off x="6007470" y="2319438"/>
+              <a:ext cx="376088" cy="1"/>
+            </a:xfrm>
+            <a:prstGeom prst="straightConnector1">
+              <a:avLst/>
+            </a:prstGeom>
+            <a:ln w="19050" cap="rnd">
+              <a:round/>
+              <a:tailEnd type="triangle"/>
+            </a:ln>
+          </p:spPr>
+          <p:style>
+            <a:lnRef idx="1">
+              <a:schemeClr val="accent1"/>
+            </a:lnRef>
+            <a:fillRef idx="0">
+              <a:schemeClr val="accent1"/>
+            </a:fillRef>
+            <a:effectRef idx="0">
+              <a:schemeClr val="accent1"/>
+            </a:effectRef>
+            <a:fontRef idx="minor">
+              <a:schemeClr val="tx1"/>
+            </a:fontRef>
+          </p:style>
+        </p:cxnSp>
+        <p:cxnSp>
+          <p:nvCxnSpPr>
+            <p:cNvPr id="16" name="Straight Arrow Connector 15">
+              <a:extLst>
+                <a:ext uri="{FF2B5EF4-FFF2-40B4-BE49-F238E27FC236}">
+                  <a16:creationId xmlns:a16="http://schemas.microsoft.com/office/drawing/2014/main" id="{214EA947-67CC-408F-8429-4E140F09235B}"/>
+                </a:ext>
+              </a:extLst>
+            </p:cNvPr>
+            <p:cNvCxnSpPr>
+              <a:cxnSpLocks/>
+            </p:cNvCxnSpPr>
+            <p:nvPr/>
+          </p:nvCxnSpPr>
+          <p:spPr>
+            <a:xfrm>
+              <a:off x="6012431" y="2103132"/>
+              <a:ext cx="368712" cy="0"/>
+            </a:xfrm>
+            <a:prstGeom prst="straightConnector1">
+              <a:avLst/>
+            </a:prstGeom>
+            <a:ln w="19050" cap="rnd">
+              <a:round/>
+              <a:tailEnd type="triangle"/>
+            </a:ln>
+          </p:spPr>
+          <p:style>
+            <a:lnRef idx="1">
+              <a:schemeClr val="accent1"/>
+            </a:lnRef>
+            <a:fillRef idx="0">
+              <a:schemeClr val="accent1"/>
+            </a:fillRef>
+            <a:effectRef idx="0">
+              <a:schemeClr val="accent1"/>
+            </a:effectRef>
+            <a:fontRef idx="minor">
+              <a:schemeClr val="tx1"/>
+            </a:fontRef>
+          </p:style>
+        </p:cxnSp>
+        <p:cxnSp>
+          <p:nvCxnSpPr>
+            <p:cNvPr id="17" name="Straight Arrow Connector 16">
+              <a:extLst>
+                <a:ext uri="{FF2B5EF4-FFF2-40B4-BE49-F238E27FC236}">
+                  <a16:creationId xmlns:a16="http://schemas.microsoft.com/office/drawing/2014/main" id="{A6C7419D-18D0-4671-ACAF-A406BE215EBC}"/>
+                </a:ext>
+              </a:extLst>
+            </p:cNvPr>
+            <p:cNvCxnSpPr>
+              <a:cxnSpLocks/>
+            </p:cNvCxnSpPr>
+            <p:nvPr/>
+          </p:nvCxnSpPr>
+          <p:spPr>
+            <a:xfrm>
+              <a:off x="6012431" y="1874531"/>
+              <a:ext cx="376088" cy="1"/>
+            </a:xfrm>
+            <a:prstGeom prst="straightConnector1">
+              <a:avLst/>
+            </a:prstGeom>
+            <a:ln w="19050" cap="rnd">
+              <a:round/>
+              <a:tailEnd type="triangle"/>
+            </a:ln>
+          </p:spPr>
+          <p:style>
+            <a:lnRef idx="1">
+              <a:schemeClr val="accent1"/>
+            </a:lnRef>
+            <a:fillRef idx="0">
+              <a:schemeClr val="accent1"/>
+            </a:fillRef>
+            <a:effectRef idx="0">
+              <a:schemeClr val="accent1"/>
+            </a:effectRef>
+            <a:fontRef idx="minor">
+              <a:schemeClr val="tx1"/>
+            </a:fontRef>
+          </p:style>
+        </p:cxnSp>
+        <p:cxnSp>
+          <p:nvCxnSpPr>
+            <p:cNvPr id="18" name="Straight Arrow Connector 17">
+              <a:extLst>
+                <a:ext uri="{FF2B5EF4-FFF2-40B4-BE49-F238E27FC236}">
+                  <a16:creationId xmlns:a16="http://schemas.microsoft.com/office/drawing/2014/main" id="{7B5696BD-8D9C-4FB1-A7CF-2EDC5C594F53}"/>
+                </a:ext>
+              </a:extLst>
+            </p:cNvPr>
+            <p:cNvCxnSpPr>
+              <a:cxnSpLocks/>
+            </p:cNvCxnSpPr>
+            <p:nvPr/>
+          </p:nvCxnSpPr>
+          <p:spPr>
+            <a:xfrm>
+              <a:off x="6019801" y="1638552"/>
+              <a:ext cx="376088" cy="1"/>
+            </a:xfrm>
+            <a:prstGeom prst="straightConnector1">
+              <a:avLst/>
+            </a:prstGeom>
+            <a:ln w="19050" cap="rnd">
+              <a:round/>
+              <a:tailEnd type="triangle"/>
+            </a:ln>
+          </p:spPr>
+          <p:style>
+            <a:lnRef idx="1">
+              <a:schemeClr val="accent1"/>
+            </a:lnRef>
+            <a:fillRef idx="0">
+              <a:schemeClr val="accent1"/>
+            </a:fillRef>
+            <a:effectRef idx="0">
+              <a:schemeClr val="accent1"/>
+            </a:effectRef>
+            <a:fontRef idx="minor">
+              <a:schemeClr val="tx1"/>
+            </a:fontRef>
+          </p:style>
+        </p:cxnSp>
+      </p:grpSp>
+      <p:cxnSp>
+        <p:nvCxnSpPr>
+          <p:cNvPr id="21" name="Straight Arrow Connector 20">
+            <a:extLst>
+              <a:ext uri="{FF2B5EF4-FFF2-40B4-BE49-F238E27FC236}">
+                <a16:creationId xmlns:a16="http://schemas.microsoft.com/office/drawing/2014/main" id="{104308C7-C76A-4C9B-90CB-786B12BFAD3D}"/>
+              </a:ext>
+            </a:extLst>
+          </p:cNvPr>
+          <p:cNvCxnSpPr>
+            <a:cxnSpLocks/>
+          </p:cNvCxnSpPr>
+          <p:nvPr/>
+        </p:nvCxnSpPr>
+        <p:spPr>
+          <a:xfrm>
+            <a:off x="5632871" y="3134442"/>
+            <a:ext cx="378213" cy="2"/>
+          </a:xfrm>
+          <a:prstGeom prst="straightConnector1">
+            <a:avLst/>
+          </a:prstGeom>
+          <a:ln w="19050" cap="rnd">
+            <a:round/>
+            <a:tailEnd type="triangle"/>
+          </a:ln>
+        </p:spPr>
+        <p:style>
+          <a:lnRef idx="1">
+            <a:schemeClr val="accent1"/>
+          </a:lnRef>
+          <a:fillRef idx="0">
+            <a:schemeClr val="accent1"/>
+          </a:fillRef>
+          <a:effectRef idx="0">
+            <a:schemeClr val="accent1"/>
+          </a:effectRef>
+          <a:fontRef idx="minor">
+            <a:schemeClr val="tx1"/>
+          </a:fontRef>
+        </p:style>
+      </p:cxnSp>
+      <p:sp>
+        <p:nvSpPr>
+          <p:cNvPr id="22" name="TextBox 21">
+            <a:extLst>
+              <a:ext uri="{FF2B5EF4-FFF2-40B4-BE49-F238E27FC236}">
+                <a16:creationId xmlns:a16="http://schemas.microsoft.com/office/drawing/2014/main" id="{EDEA83BA-8BE6-4303-958E-0CB15514D648}"/>
+              </a:ext>
+            </a:extLst>
+          </p:cNvPr>
+          <p:cNvSpPr txBox="1"/>
+          <p:nvPr/>
+        </p:nvSpPr>
+        <p:spPr>
+          <a:xfrm>
+            <a:off x="6058082" y="2965871"/>
+            <a:ext cx="2299339" cy="307777"/>
+          </a:xfrm>
+          <a:prstGeom prst="rect">
+            <a:avLst/>
+          </a:prstGeom>
+          <a:noFill/>
+        </p:spPr>
+        <p:txBody>
+          <a:bodyPr wrap="square" rtlCol="0">
+            <a:spAutoFit/>
+          </a:bodyPr>
+          <a:lstStyle/>
+          <a:p>
+            <a:r>
+              <a:rPr lang="en-US" sz="1400" b="1" dirty="0">
+                <a:solidFill>
+                  <a:schemeClr val="tx2"/>
+                </a:solidFill>
+              </a:rPr>
+              <a:t>config-yast-autoyast.xml</a:t>
+            </a:r>
+          </a:p>
+        </p:txBody>
+      </p:sp>
+      <p:cxnSp>
+        <p:nvCxnSpPr>
+          <p:cNvPr id="23" name="Straight Arrow Connector 22">
+            <a:extLst>
+              <a:ext uri="{FF2B5EF4-FFF2-40B4-BE49-F238E27FC236}">
+                <a16:creationId xmlns:a16="http://schemas.microsoft.com/office/drawing/2014/main" id="{AD982FDE-4D82-4BD0-9045-F3392CCB20B2}"/>
+              </a:ext>
+            </a:extLst>
+          </p:cNvPr>
+          <p:cNvCxnSpPr>
+            <a:cxnSpLocks/>
+          </p:cNvCxnSpPr>
+          <p:nvPr/>
+        </p:nvCxnSpPr>
+        <p:spPr>
+          <a:xfrm>
+            <a:off x="5635143" y="3477910"/>
+            <a:ext cx="378213" cy="2"/>
+          </a:xfrm>
+          <a:prstGeom prst="straightConnector1">
+            <a:avLst/>
+          </a:prstGeom>
+          <a:ln w="19050" cap="rnd">
+            <a:round/>
+            <a:tailEnd type="triangle"/>
+          </a:ln>
+        </p:spPr>
+        <p:style>
+          <a:lnRef idx="1">
+            <a:schemeClr val="accent1"/>
+          </a:lnRef>
+          <a:fillRef idx="0">
+            <a:schemeClr val="accent1"/>
+          </a:fillRef>
+          <a:effectRef idx="0">
+            <a:schemeClr val="accent1"/>
+          </a:effectRef>
+          <a:fontRef idx="minor">
+            <a:schemeClr val="tx1"/>
+          </a:fontRef>
+        </p:style>
+      </p:cxnSp>
+      <p:sp>
+        <p:nvSpPr>
+          <p:cNvPr id="24" name="TextBox 23">
+            <a:extLst>
+              <a:ext uri="{FF2B5EF4-FFF2-40B4-BE49-F238E27FC236}">
+                <a16:creationId xmlns:a16="http://schemas.microsoft.com/office/drawing/2014/main" id="{B2F88C7F-2346-4576-88A3-06EA3DD185F6}"/>
+              </a:ext>
+            </a:extLst>
+          </p:cNvPr>
+          <p:cNvSpPr txBox="1"/>
+          <p:nvPr/>
+        </p:nvSpPr>
+        <p:spPr>
+          <a:xfrm>
+            <a:off x="6060354" y="3309339"/>
+            <a:ext cx="2299339" cy="307777"/>
+          </a:xfrm>
+          <a:prstGeom prst="rect">
+            <a:avLst/>
+          </a:prstGeom>
+          <a:noFill/>
+        </p:spPr>
+        <p:txBody>
+          <a:bodyPr wrap="square" rtlCol="0">
+            <a:spAutoFit/>
+          </a:bodyPr>
+          <a:lstStyle/>
+          <a:p>
+            <a:r>
+              <a:rPr lang="en-US" sz="1400" b="1" dirty="0">
+                <a:solidFill>
+                  <a:schemeClr val="tx2"/>
+                </a:solidFill>
+              </a:rPr>
+              <a:t>kiwi-hooks.tgz</a:t>
+            </a:r>
           </a:p>
         </p:txBody>
       </p:sp>
     </p:spTree>
     <p:extLst>
       <p:ext uri="{BB962C8B-B14F-4D97-AF65-F5344CB8AC3E}">
-        <p14:creationId xmlns:p14="http://schemas.microsoft.com/office/powerpoint/2010/main" val="710632821"/>
+        <p14:creationId xmlns:p14="http://schemas.microsoft.com/office/powerpoint/2010/main" val="3011736413"/>
       </p:ext>
     </p:extLst>
   </p:cSld>
@@ -8910,10 +9656,14 @@
   </p:clrMapOvr>
   <mc:AlternateContent xmlns:mc="http://schemas.openxmlformats.org/markup-compatibility/2006" xmlns:p14="http://schemas.microsoft.com/office/powerpoint/2010/main">
     <mc:Choice Requires="p14">
-      <p:transition p14:dur="0"/>
+      <p:transition spd="med" p14:dur="700">
+        <p:fade/>
+      </p:transition>
     </mc:Choice>
     <mc:Fallback xmlns="">
-      <p:transition/>
+      <p:transition spd="med">
+        <p:fade/>
+      </p:transition>
     </mc:Fallback>
   </mc:AlternateContent>
 </p:sld>
@@ -8938,7 +9688,13 @@
       </p:grpSpPr>
       <p:sp>
         <p:nvSpPr>
-          <p:cNvPr id="15" name="Title 14"/>
+          <p:cNvPr id="2" name="Title 1">
+            <a:extLst>
+              <a:ext uri="{FF2B5EF4-FFF2-40B4-BE49-F238E27FC236}">
+                <a16:creationId xmlns:a16="http://schemas.microsoft.com/office/drawing/2014/main" id="{B34C4856-EC47-45CB-9121-904CBB520075}"/>
+              </a:ext>
+            </a:extLst>
+          </p:cNvPr>
           <p:cNvSpPr>
             <a:spLocks noGrp="1"/>
           </p:cNvSpPr>
@@ -8946,18 +9702,32 @@
             <p:ph type="title"/>
           </p:nvPr>
         </p:nvSpPr>
-        <p:spPr/>
+        <p:spPr>
+          <a:xfrm>
+            <a:off x="874645" y="342900"/>
+            <a:ext cx="7966145" cy="585787"/>
+          </a:xfrm>
+        </p:spPr>
         <p:txBody>
           <a:bodyPr/>
           <a:lstStyle/>
           <a:p>
-            <a:endParaRPr lang="en-US" dirty="0"/>
+            <a:r>
+              <a:rPr lang="en-US" dirty="0"/>
+              <a:t>Customizing a Template</a:t>
+            </a:r>
           </a:p>
         </p:txBody>
       </p:sp>
       <p:sp>
         <p:nvSpPr>
-          <p:cNvPr id="16" name="Content Placeholder 15"/>
+          <p:cNvPr id="3" name="Content Placeholder 2">
+            <a:extLst>
+              <a:ext uri="{FF2B5EF4-FFF2-40B4-BE49-F238E27FC236}">
+                <a16:creationId xmlns:a16="http://schemas.microsoft.com/office/drawing/2014/main" id="{C4DF7C0D-B435-44B5-9893-70987DF99A61}"/>
+              </a:ext>
+            </a:extLst>
+          </p:cNvPr>
           <p:cNvSpPr>
             <a:spLocks noGrp="1"/>
           </p:cNvSpPr>
@@ -8965,76 +9735,718 @@
             <p:ph idx="1"/>
           </p:nvPr>
         </p:nvSpPr>
-        <p:spPr/>
+        <p:spPr>
+          <a:xfrm>
+            <a:off x="874644" y="1127341"/>
+            <a:ext cx="4009205" cy="3783871"/>
+          </a:xfrm>
+        </p:spPr>
         <p:txBody>
           <a:bodyPr/>
           <a:lstStyle/>
           <a:p>
+            <a:r>
+              <a:rPr lang="en-US" dirty="0"/>
+              <a:t>Image Directory</a:t>
+            </a:r>
+          </a:p>
+          <a:p>
+            <a:pPr marL="285750" indent="-285750">
+              <a:buFont typeface="Arial" panose="020B0604020202020204" pitchFamily="34" charset="0"/>
+              <a:buChar char="•"/>
+            </a:pPr>
+            <a:r>
+              <a:rPr lang="en-US" dirty="0"/>
+              <a:t>Hooks</a:t>
+            </a:r>
+          </a:p>
+          <a:p>
+            <a:pPr marL="400050" lvl="1" indent="-285750"/>
+            <a:r>
+              <a:rPr lang="en-US" dirty="0"/>
+              <a:t>ALL</a:t>
+            </a:r>
+          </a:p>
+          <a:p>
+            <a:pPr marL="514350" lvl="2" indent="-285750"/>
+            <a:r>
+              <a:rPr lang="en-US" dirty="0" err="1"/>
+              <a:t>handleSplash</a:t>
+            </a:r>
             <a:endParaRPr lang="en-US" dirty="0"/>
+          </a:p>
+          <a:p>
+            <a:pPr marL="628650" lvl="3" indent="-285750"/>
+            <a:r>
+              <a:rPr lang="en-US" dirty="0"/>
+              <a:t>Called prior to any dialog/exception message or progress dialog. Can be used to customize the behavior of the splash screen. </a:t>
+            </a:r>
+          </a:p>
+          <a:p>
+            <a:pPr marL="514350" lvl="2" indent="-285750"/>
+            <a:r>
+              <a:rPr lang="en-US" dirty="0" err="1"/>
+              <a:t>preException</a:t>
+            </a:r>
+            <a:endParaRPr lang="en-US" dirty="0"/>
+          </a:p>
+          <a:p>
+            <a:pPr marL="628650" lvl="3" indent="-285750"/>
+            <a:r>
+              <a:rPr lang="en-US" dirty="0"/>
+              <a:t>Called before a system error is handled</a:t>
+            </a:r>
           </a:p>
         </p:txBody>
       </p:sp>
+      <p:grpSp>
+        <p:nvGrpSpPr>
+          <p:cNvPr id="20" name="Group 19">
+            <a:extLst>
+              <a:ext uri="{FF2B5EF4-FFF2-40B4-BE49-F238E27FC236}">
+                <a16:creationId xmlns:a16="http://schemas.microsoft.com/office/drawing/2014/main" id="{1C4DBD49-5873-413B-853C-13DA5A0522DC}"/>
+              </a:ext>
+            </a:extLst>
+          </p:cNvPr>
+          <p:cNvGrpSpPr/>
+          <p:nvPr/>
+        </p:nvGrpSpPr>
+        <p:grpSpPr>
+          <a:xfrm>
+            <a:off x="4933341" y="925461"/>
+            <a:ext cx="3524860" cy="2835378"/>
+            <a:chOff x="5309420" y="1090471"/>
+            <a:chExt cx="3505059" cy="1840748"/>
+          </a:xfrm>
+        </p:grpSpPr>
+        <p:sp>
+          <p:nvSpPr>
+            <p:cNvPr id="19" name="Rectangle: Rounded Corners 18">
+              <a:extLst>
+                <a:ext uri="{FF2B5EF4-FFF2-40B4-BE49-F238E27FC236}">
+                  <a16:creationId xmlns:a16="http://schemas.microsoft.com/office/drawing/2014/main" id="{6C03226B-A3EB-4083-B204-EF1DBEA7E4D7}"/>
+                </a:ext>
+              </a:extLst>
+            </p:cNvPr>
+            <p:cNvSpPr/>
+            <p:nvPr/>
+          </p:nvSpPr>
+          <p:spPr>
+            <a:xfrm>
+              <a:off x="5309420" y="1090471"/>
+              <a:ext cx="3505059" cy="1840748"/>
+            </a:xfrm>
+            <a:prstGeom prst="roundRect">
+              <a:avLst/>
+            </a:prstGeom>
+            <a:solidFill>
+              <a:schemeClr val="accent5"/>
+            </a:solidFill>
+            <a:ln>
+              <a:noFill/>
+            </a:ln>
+          </p:spPr>
+          <p:style>
+            <a:lnRef idx="0">
+              <a:scrgbClr r="0" g="0" b="0"/>
+            </a:lnRef>
+            <a:fillRef idx="0">
+              <a:scrgbClr r="0" g="0" b="0"/>
+            </a:fillRef>
+            <a:effectRef idx="0">
+              <a:scrgbClr r="0" g="0" b="0"/>
+            </a:effectRef>
+            <a:fontRef idx="minor">
+              <a:schemeClr val="lt1"/>
+            </a:fontRef>
+          </p:style>
+          <p:txBody>
+            <a:bodyPr rtlCol="0" anchor="ctr"/>
+            <a:lstStyle/>
+            <a:p>
+              <a:pPr algn="ctr"/>
+              <a:endParaRPr lang="en-US" dirty="0"/>
+            </a:p>
+          </p:txBody>
+        </p:sp>
+        <p:sp>
+          <p:nvSpPr>
+            <p:cNvPr id="4" name="TextBox 3">
+              <a:extLst>
+                <a:ext uri="{FF2B5EF4-FFF2-40B4-BE49-F238E27FC236}">
+                  <a16:creationId xmlns:a16="http://schemas.microsoft.com/office/drawing/2014/main" id="{A5408AE2-9C3F-4F6D-A018-77C5591B260E}"/>
+                </a:ext>
+              </a:extLst>
+            </p:cNvPr>
+            <p:cNvSpPr txBox="1"/>
+            <p:nvPr/>
+          </p:nvSpPr>
+          <p:spPr>
+            <a:xfrm>
+              <a:off x="5589639" y="1155236"/>
+              <a:ext cx="870155" cy="206309"/>
+            </a:xfrm>
+            <a:prstGeom prst="rect">
+              <a:avLst/>
+            </a:prstGeom>
+            <a:noFill/>
+          </p:spPr>
+          <p:txBody>
+            <a:bodyPr wrap="square" rtlCol="0">
+              <a:spAutoFit/>
+            </a:bodyPr>
+            <a:lstStyle/>
+            <a:p>
+              <a:pPr algn="ctr"/>
+              <a:r>
+                <a:rPr lang="en-US" sz="1400" b="1" dirty="0">
+                  <a:solidFill>
+                    <a:schemeClr val="tx2"/>
+                  </a:solidFill>
+                </a:rPr>
+                <a:t>demo</a:t>
+              </a:r>
+            </a:p>
+          </p:txBody>
+        </p:sp>
+        <p:sp>
+          <p:nvSpPr>
+            <p:cNvPr id="5" name="TextBox 4">
+              <a:extLst>
+                <a:ext uri="{FF2B5EF4-FFF2-40B4-BE49-F238E27FC236}">
+                  <a16:creationId xmlns:a16="http://schemas.microsoft.com/office/drawing/2014/main" id="{7343D49F-A98E-4C31-BDA3-3760C97799D6}"/>
+                </a:ext>
+              </a:extLst>
+            </p:cNvPr>
+            <p:cNvSpPr txBox="1"/>
+            <p:nvPr/>
+          </p:nvSpPr>
+          <p:spPr>
+            <a:xfrm>
+              <a:off x="6435213" y="1521808"/>
+              <a:ext cx="1211826" cy="307777"/>
+            </a:xfrm>
+            <a:prstGeom prst="rect">
+              <a:avLst/>
+            </a:prstGeom>
+            <a:noFill/>
+          </p:spPr>
+          <p:txBody>
+            <a:bodyPr wrap="square" rtlCol="0">
+              <a:spAutoFit/>
+            </a:bodyPr>
+            <a:lstStyle/>
+            <a:p>
+              <a:r>
+                <a:rPr lang="en-US" sz="1400" b="1" dirty="0" err="1">
+                  <a:solidFill>
+                    <a:schemeClr val="tx2"/>
+                  </a:solidFill>
+                </a:rPr>
+                <a:t>demo.kiwi</a:t>
+              </a:r>
+              <a:endParaRPr lang="en-US" sz="1400" b="1" dirty="0">
+                <a:solidFill>
+                  <a:schemeClr val="tx2"/>
+                </a:solidFill>
+              </a:endParaRPr>
+            </a:p>
+          </p:txBody>
+        </p:sp>
+        <p:sp>
+          <p:nvSpPr>
+            <p:cNvPr id="6" name="TextBox 5">
+              <a:extLst>
+                <a:ext uri="{FF2B5EF4-FFF2-40B4-BE49-F238E27FC236}">
+                  <a16:creationId xmlns:a16="http://schemas.microsoft.com/office/drawing/2014/main" id="{3F0DCD87-1335-471F-8D11-26CF4D974331}"/>
+                </a:ext>
+              </a:extLst>
+            </p:cNvPr>
+            <p:cNvSpPr txBox="1"/>
+            <p:nvPr/>
+          </p:nvSpPr>
+          <p:spPr>
+            <a:xfrm>
+              <a:off x="6432758" y="1755327"/>
+              <a:ext cx="1211826" cy="307777"/>
+            </a:xfrm>
+            <a:prstGeom prst="rect">
+              <a:avLst/>
+            </a:prstGeom>
+            <a:noFill/>
+          </p:spPr>
+          <p:txBody>
+            <a:bodyPr wrap="square" rtlCol="0">
+              <a:spAutoFit/>
+            </a:bodyPr>
+            <a:lstStyle/>
+            <a:p>
+              <a:r>
+                <a:rPr lang="en-US" sz="1400" b="1" dirty="0">
+                  <a:solidFill>
+                    <a:schemeClr val="tx2"/>
+                  </a:solidFill>
+                </a:rPr>
+                <a:t>root</a:t>
+              </a:r>
+            </a:p>
+          </p:txBody>
+        </p:sp>
+        <p:sp>
+          <p:nvSpPr>
+            <p:cNvPr id="7" name="TextBox 6">
+              <a:extLst>
+                <a:ext uri="{FF2B5EF4-FFF2-40B4-BE49-F238E27FC236}">
+                  <a16:creationId xmlns:a16="http://schemas.microsoft.com/office/drawing/2014/main" id="{7137D407-73A0-4865-A1BD-207C6CC86314}"/>
+                </a:ext>
+              </a:extLst>
+            </p:cNvPr>
+            <p:cNvSpPr txBox="1"/>
+            <p:nvPr/>
+          </p:nvSpPr>
+          <p:spPr>
+            <a:xfrm>
+              <a:off x="6430302" y="1988840"/>
+              <a:ext cx="1211826" cy="307777"/>
+            </a:xfrm>
+            <a:prstGeom prst="rect">
+              <a:avLst/>
+            </a:prstGeom>
+            <a:noFill/>
+          </p:spPr>
+          <p:txBody>
+            <a:bodyPr wrap="square" rtlCol="0">
+              <a:spAutoFit/>
+            </a:bodyPr>
+            <a:lstStyle/>
+            <a:p>
+              <a:r>
+                <a:rPr lang="en-US" sz="1400" b="1" dirty="0">
+                  <a:solidFill>
+                    <a:schemeClr val="tx2"/>
+                  </a:solidFill>
+                </a:rPr>
+                <a:t>config.sh</a:t>
+              </a:r>
+            </a:p>
+          </p:txBody>
+        </p:sp>
+        <p:sp>
+          <p:nvSpPr>
+            <p:cNvPr id="8" name="TextBox 7">
+              <a:extLst>
+                <a:ext uri="{FF2B5EF4-FFF2-40B4-BE49-F238E27FC236}">
+                  <a16:creationId xmlns:a16="http://schemas.microsoft.com/office/drawing/2014/main" id="{AD54E37B-DAC1-4006-A189-45C9DA4AB4B9}"/>
+                </a:ext>
+              </a:extLst>
+            </p:cNvPr>
+            <p:cNvSpPr txBox="1"/>
+            <p:nvPr/>
+          </p:nvSpPr>
+          <p:spPr>
+            <a:xfrm>
+              <a:off x="6427843" y="2214980"/>
+              <a:ext cx="1211826" cy="307777"/>
+            </a:xfrm>
+            <a:prstGeom prst="rect">
+              <a:avLst/>
+            </a:prstGeom>
+            <a:noFill/>
+          </p:spPr>
+          <p:txBody>
+            <a:bodyPr wrap="square" rtlCol="0">
+              <a:spAutoFit/>
+            </a:bodyPr>
+            <a:lstStyle/>
+            <a:p>
+              <a:r>
+                <a:rPr lang="en-US" sz="1400" b="1" dirty="0">
+                  <a:solidFill>
+                    <a:schemeClr val="tx2"/>
+                  </a:solidFill>
+                </a:rPr>
+                <a:t>image</a:t>
+              </a:r>
+            </a:p>
+          </p:txBody>
+        </p:sp>
+        <p:cxnSp>
+          <p:nvCxnSpPr>
+            <p:cNvPr id="10" name="Straight Connector 9">
+              <a:extLst>
+                <a:ext uri="{FF2B5EF4-FFF2-40B4-BE49-F238E27FC236}">
+                  <a16:creationId xmlns:a16="http://schemas.microsoft.com/office/drawing/2014/main" id="{D88ED43F-6677-4C80-8E63-D6F43BB4A846}"/>
+                </a:ext>
+              </a:extLst>
+            </p:cNvPr>
+            <p:cNvCxnSpPr>
+              <a:cxnSpLocks/>
+              <a:stCxn id="4" idx="2"/>
+            </p:cNvCxnSpPr>
+            <p:nvPr/>
+          </p:nvCxnSpPr>
+          <p:spPr>
+            <a:xfrm flipH="1">
+              <a:off x="6005020" y="1361545"/>
+              <a:ext cx="19697" cy="1385995"/>
+            </a:xfrm>
+            <a:prstGeom prst="line">
+              <a:avLst/>
+            </a:prstGeom>
+            <a:ln w="19050" cap="rnd">
+              <a:round/>
+            </a:ln>
+          </p:spPr>
+          <p:style>
+            <a:lnRef idx="1">
+              <a:schemeClr val="accent1"/>
+            </a:lnRef>
+            <a:fillRef idx="0">
+              <a:schemeClr val="accent1"/>
+            </a:fillRef>
+            <a:effectRef idx="0">
+              <a:schemeClr val="accent1"/>
+            </a:effectRef>
+            <a:fontRef idx="minor">
+              <a:schemeClr val="tx1"/>
+            </a:fontRef>
+          </p:style>
+        </p:cxnSp>
+        <p:cxnSp>
+          <p:nvCxnSpPr>
+            <p:cNvPr id="15" name="Straight Arrow Connector 14">
+              <a:extLst>
+                <a:ext uri="{FF2B5EF4-FFF2-40B4-BE49-F238E27FC236}">
+                  <a16:creationId xmlns:a16="http://schemas.microsoft.com/office/drawing/2014/main" id="{67AB2946-6B5D-49E8-99D4-A62D8F56C140}"/>
+                </a:ext>
+              </a:extLst>
+            </p:cNvPr>
+            <p:cNvCxnSpPr>
+              <a:cxnSpLocks/>
+            </p:cNvCxnSpPr>
+            <p:nvPr/>
+          </p:nvCxnSpPr>
+          <p:spPr>
+            <a:xfrm>
+              <a:off x="6007470" y="2319438"/>
+              <a:ext cx="376088" cy="1"/>
+            </a:xfrm>
+            <a:prstGeom prst="straightConnector1">
+              <a:avLst/>
+            </a:prstGeom>
+            <a:ln w="19050" cap="rnd">
+              <a:round/>
+              <a:tailEnd type="triangle"/>
+            </a:ln>
+          </p:spPr>
+          <p:style>
+            <a:lnRef idx="1">
+              <a:schemeClr val="accent1"/>
+            </a:lnRef>
+            <a:fillRef idx="0">
+              <a:schemeClr val="accent1"/>
+            </a:fillRef>
+            <a:effectRef idx="0">
+              <a:schemeClr val="accent1"/>
+            </a:effectRef>
+            <a:fontRef idx="minor">
+              <a:schemeClr val="tx1"/>
+            </a:fontRef>
+          </p:style>
+        </p:cxnSp>
+        <p:cxnSp>
+          <p:nvCxnSpPr>
+            <p:cNvPr id="16" name="Straight Arrow Connector 15">
+              <a:extLst>
+                <a:ext uri="{FF2B5EF4-FFF2-40B4-BE49-F238E27FC236}">
+                  <a16:creationId xmlns:a16="http://schemas.microsoft.com/office/drawing/2014/main" id="{214EA947-67CC-408F-8429-4E140F09235B}"/>
+                </a:ext>
+              </a:extLst>
+            </p:cNvPr>
+            <p:cNvCxnSpPr>
+              <a:cxnSpLocks/>
+            </p:cNvCxnSpPr>
+            <p:nvPr/>
+          </p:nvCxnSpPr>
+          <p:spPr>
+            <a:xfrm>
+              <a:off x="6012431" y="2103132"/>
+              <a:ext cx="368712" cy="0"/>
+            </a:xfrm>
+            <a:prstGeom prst="straightConnector1">
+              <a:avLst/>
+            </a:prstGeom>
+            <a:ln w="19050" cap="rnd">
+              <a:round/>
+              <a:tailEnd type="triangle"/>
+            </a:ln>
+          </p:spPr>
+          <p:style>
+            <a:lnRef idx="1">
+              <a:schemeClr val="accent1"/>
+            </a:lnRef>
+            <a:fillRef idx="0">
+              <a:schemeClr val="accent1"/>
+            </a:fillRef>
+            <a:effectRef idx="0">
+              <a:schemeClr val="accent1"/>
+            </a:effectRef>
+            <a:fontRef idx="minor">
+              <a:schemeClr val="tx1"/>
+            </a:fontRef>
+          </p:style>
+        </p:cxnSp>
+        <p:cxnSp>
+          <p:nvCxnSpPr>
+            <p:cNvPr id="17" name="Straight Arrow Connector 16">
+              <a:extLst>
+                <a:ext uri="{FF2B5EF4-FFF2-40B4-BE49-F238E27FC236}">
+                  <a16:creationId xmlns:a16="http://schemas.microsoft.com/office/drawing/2014/main" id="{A6C7419D-18D0-4671-ACAF-A406BE215EBC}"/>
+                </a:ext>
+              </a:extLst>
+            </p:cNvPr>
+            <p:cNvCxnSpPr>
+              <a:cxnSpLocks/>
+            </p:cNvCxnSpPr>
+            <p:nvPr/>
+          </p:nvCxnSpPr>
+          <p:spPr>
+            <a:xfrm>
+              <a:off x="6012431" y="1874531"/>
+              <a:ext cx="376088" cy="1"/>
+            </a:xfrm>
+            <a:prstGeom prst="straightConnector1">
+              <a:avLst/>
+            </a:prstGeom>
+            <a:ln w="19050" cap="rnd">
+              <a:round/>
+              <a:tailEnd type="triangle"/>
+            </a:ln>
+          </p:spPr>
+          <p:style>
+            <a:lnRef idx="1">
+              <a:schemeClr val="accent1"/>
+            </a:lnRef>
+            <a:fillRef idx="0">
+              <a:schemeClr val="accent1"/>
+            </a:fillRef>
+            <a:effectRef idx="0">
+              <a:schemeClr val="accent1"/>
+            </a:effectRef>
+            <a:fontRef idx="minor">
+              <a:schemeClr val="tx1"/>
+            </a:fontRef>
+          </p:style>
+        </p:cxnSp>
+        <p:cxnSp>
+          <p:nvCxnSpPr>
+            <p:cNvPr id="18" name="Straight Arrow Connector 17">
+              <a:extLst>
+                <a:ext uri="{FF2B5EF4-FFF2-40B4-BE49-F238E27FC236}">
+                  <a16:creationId xmlns:a16="http://schemas.microsoft.com/office/drawing/2014/main" id="{7B5696BD-8D9C-4FB1-A7CF-2EDC5C594F53}"/>
+                </a:ext>
+              </a:extLst>
+            </p:cNvPr>
+            <p:cNvCxnSpPr>
+              <a:cxnSpLocks/>
+            </p:cNvCxnSpPr>
+            <p:nvPr/>
+          </p:nvCxnSpPr>
+          <p:spPr>
+            <a:xfrm>
+              <a:off x="6019801" y="1638552"/>
+              <a:ext cx="376088" cy="1"/>
+            </a:xfrm>
+            <a:prstGeom prst="straightConnector1">
+              <a:avLst/>
+            </a:prstGeom>
+            <a:ln w="19050" cap="rnd">
+              <a:round/>
+              <a:tailEnd type="triangle"/>
+            </a:ln>
+          </p:spPr>
+          <p:style>
+            <a:lnRef idx="1">
+              <a:schemeClr val="accent1"/>
+            </a:lnRef>
+            <a:fillRef idx="0">
+              <a:schemeClr val="accent1"/>
+            </a:fillRef>
+            <a:effectRef idx="0">
+              <a:schemeClr val="accent1"/>
+            </a:effectRef>
+            <a:fontRef idx="minor">
+              <a:schemeClr val="tx1"/>
+            </a:fontRef>
+          </p:style>
+        </p:cxnSp>
+      </p:grpSp>
+      <p:cxnSp>
+        <p:nvCxnSpPr>
+          <p:cNvPr id="21" name="Straight Arrow Connector 20">
+            <a:extLst>
+              <a:ext uri="{FF2B5EF4-FFF2-40B4-BE49-F238E27FC236}">
+                <a16:creationId xmlns:a16="http://schemas.microsoft.com/office/drawing/2014/main" id="{104308C7-C76A-4C9B-90CB-786B12BFAD3D}"/>
+              </a:ext>
+            </a:extLst>
+          </p:cNvPr>
+          <p:cNvCxnSpPr>
+            <a:cxnSpLocks/>
+          </p:cNvCxnSpPr>
+          <p:nvPr/>
+        </p:nvCxnSpPr>
+        <p:spPr>
+          <a:xfrm>
+            <a:off x="5632871" y="3134442"/>
+            <a:ext cx="378213" cy="2"/>
+          </a:xfrm>
+          <a:prstGeom prst="straightConnector1">
+            <a:avLst/>
+          </a:prstGeom>
+          <a:ln w="19050" cap="rnd">
+            <a:round/>
+            <a:tailEnd type="triangle"/>
+          </a:ln>
+        </p:spPr>
+        <p:style>
+          <a:lnRef idx="1">
+            <a:schemeClr val="accent1"/>
+          </a:lnRef>
+          <a:fillRef idx="0">
+            <a:schemeClr val="accent1"/>
+          </a:fillRef>
+          <a:effectRef idx="0">
+            <a:schemeClr val="accent1"/>
+          </a:effectRef>
+          <a:fontRef idx="minor">
+            <a:schemeClr val="tx1"/>
+          </a:fontRef>
+        </p:style>
+      </p:cxnSp>
       <p:sp>
         <p:nvSpPr>
-          <p:cNvPr id="17" name="Text Placeholder 16"/>
-          <p:cNvSpPr>
-            <a:spLocks noGrp="1"/>
-          </p:cNvSpPr>
-          <p:nvPr>
-            <p:ph type="body" sz="quarter" idx="13"/>
-          </p:nvPr>
+          <p:cNvPr id="22" name="TextBox 21">
+            <a:extLst>
+              <a:ext uri="{FF2B5EF4-FFF2-40B4-BE49-F238E27FC236}">
+                <a16:creationId xmlns:a16="http://schemas.microsoft.com/office/drawing/2014/main" id="{EDEA83BA-8BE6-4303-958E-0CB15514D648}"/>
+              </a:ext>
+            </a:extLst>
+          </p:cNvPr>
+          <p:cNvSpPr txBox="1"/>
+          <p:nvPr/>
         </p:nvSpPr>
-        <p:spPr/>
+        <p:spPr>
+          <a:xfrm>
+            <a:off x="6058082" y="2965871"/>
+            <a:ext cx="2299339" cy="307777"/>
+          </a:xfrm>
+          <a:prstGeom prst="rect">
+            <a:avLst/>
+          </a:prstGeom>
+          <a:noFill/>
+        </p:spPr>
         <p:txBody>
-          <a:bodyPr/>
+          <a:bodyPr wrap="square" rtlCol="0">
+            <a:spAutoFit/>
+          </a:bodyPr>
           <a:lstStyle/>
           <a:p>
-            <a:endParaRPr lang="en-US" dirty="0"/>
+            <a:r>
+              <a:rPr lang="en-US" sz="1400" b="1" dirty="0">
+                <a:solidFill>
+                  <a:schemeClr val="tx2"/>
+                </a:solidFill>
+              </a:rPr>
+              <a:t>config-yast-autoyast.xml</a:t>
+            </a:r>
           </a:p>
         </p:txBody>
       </p:sp>
+      <p:cxnSp>
+        <p:nvCxnSpPr>
+          <p:cNvPr id="23" name="Straight Arrow Connector 22">
+            <a:extLst>
+              <a:ext uri="{FF2B5EF4-FFF2-40B4-BE49-F238E27FC236}">
+                <a16:creationId xmlns:a16="http://schemas.microsoft.com/office/drawing/2014/main" id="{AD982FDE-4D82-4BD0-9045-F3392CCB20B2}"/>
+              </a:ext>
+            </a:extLst>
+          </p:cNvPr>
+          <p:cNvCxnSpPr>
+            <a:cxnSpLocks/>
+          </p:cNvCxnSpPr>
+          <p:nvPr/>
+        </p:nvCxnSpPr>
+        <p:spPr>
+          <a:xfrm>
+            <a:off x="5635143" y="3477910"/>
+            <a:ext cx="378213" cy="2"/>
+          </a:xfrm>
+          <a:prstGeom prst="straightConnector1">
+            <a:avLst/>
+          </a:prstGeom>
+          <a:ln w="19050" cap="rnd">
+            <a:round/>
+            <a:tailEnd type="triangle"/>
+          </a:ln>
+        </p:spPr>
+        <p:style>
+          <a:lnRef idx="1">
+            <a:schemeClr val="accent1"/>
+          </a:lnRef>
+          <a:fillRef idx="0">
+            <a:schemeClr val="accent1"/>
+          </a:fillRef>
+          <a:effectRef idx="0">
+            <a:schemeClr val="accent1"/>
+          </a:effectRef>
+          <a:fontRef idx="minor">
+            <a:schemeClr val="tx1"/>
+          </a:fontRef>
+        </p:style>
+      </p:cxnSp>
       <p:sp>
         <p:nvSpPr>
-          <p:cNvPr id="18" name="Content Placeholder 17"/>
-          <p:cNvSpPr>
-            <a:spLocks noGrp="1"/>
-          </p:cNvSpPr>
-          <p:nvPr>
-            <p:ph idx="14"/>
-          </p:nvPr>
+          <p:cNvPr id="24" name="TextBox 23">
+            <a:extLst>
+              <a:ext uri="{FF2B5EF4-FFF2-40B4-BE49-F238E27FC236}">
+                <a16:creationId xmlns:a16="http://schemas.microsoft.com/office/drawing/2014/main" id="{B2F88C7F-2346-4576-88A3-06EA3DD185F6}"/>
+              </a:ext>
+            </a:extLst>
+          </p:cNvPr>
+          <p:cNvSpPr txBox="1"/>
+          <p:nvPr/>
         </p:nvSpPr>
-        <p:spPr/>
+        <p:spPr>
+          <a:xfrm>
+            <a:off x="6060354" y="3309339"/>
+            <a:ext cx="2299339" cy="307777"/>
+          </a:xfrm>
+          <a:prstGeom prst="rect">
+            <a:avLst/>
+          </a:prstGeom>
+          <a:noFill/>
+        </p:spPr>
         <p:txBody>
-          <a:bodyPr/>
+          <a:bodyPr wrap="square" rtlCol="0">
+            <a:spAutoFit/>
+          </a:bodyPr>
           <a:lstStyle/>
           <a:p>
-            <a:endParaRPr lang="en-US" dirty="0"/>
-          </a:p>
-        </p:txBody>
-      </p:sp>
-      <p:sp>
-        <p:nvSpPr>
-          <p:cNvPr id="19" name="Text Placeholder 18"/>
-          <p:cNvSpPr>
-            <a:spLocks noGrp="1"/>
-          </p:cNvSpPr>
-          <p:nvPr>
-            <p:ph type="body" sz="quarter" idx="15"/>
-          </p:nvPr>
-        </p:nvSpPr>
-        <p:spPr/>
-        <p:txBody>
-          <a:bodyPr/>
-          <a:lstStyle/>
-          <a:p>
-            <a:endParaRPr lang="en-US" dirty="0"/>
+            <a:r>
+              <a:rPr lang="en-US" sz="1400" b="1" dirty="0">
+                <a:solidFill>
+                  <a:schemeClr val="tx2"/>
+                </a:solidFill>
+              </a:rPr>
+              <a:t>kiwi-hooks.tgz</a:t>
+            </a:r>
           </a:p>
         </p:txBody>
       </p:sp>
     </p:spTree>
     <p:extLst>
       <p:ext uri="{BB962C8B-B14F-4D97-AF65-F5344CB8AC3E}">
-        <p14:creationId xmlns:p14="http://schemas.microsoft.com/office/powerpoint/2010/main" val="216429679"/>
+        <p14:creationId xmlns:p14="http://schemas.microsoft.com/office/powerpoint/2010/main" val="3243675774"/>
       </p:ext>
     </p:extLst>
   </p:cSld>
@@ -9043,10 +10455,14 @@
   </p:clrMapOvr>
   <mc:AlternateContent xmlns:mc="http://schemas.openxmlformats.org/markup-compatibility/2006" xmlns:p14="http://schemas.microsoft.com/office/powerpoint/2010/main">
     <mc:Choice Requires="p14">
-      <p:transition p14:dur="0"/>
+      <p:transition spd="med" p14:dur="700">
+        <p:fade/>
+      </p:transition>
     </mc:Choice>
     <mc:Fallback xmlns="">
-      <p:transition/>
+      <p:transition spd="med">
+        <p:fade/>
+      </p:transition>
     </mc:Fallback>
   </mc:AlternateContent>
 </p:sld>
@@ -9071,7 +10487,13 @@
       </p:grpSpPr>
       <p:sp>
         <p:nvSpPr>
-          <p:cNvPr id="2" name="Title 1"/>
+          <p:cNvPr id="2" name="Title 1">
+            <a:extLst>
+              <a:ext uri="{FF2B5EF4-FFF2-40B4-BE49-F238E27FC236}">
+                <a16:creationId xmlns:a16="http://schemas.microsoft.com/office/drawing/2014/main" id="{B34C4856-EC47-45CB-9121-904CBB520075}"/>
+              </a:ext>
+            </a:extLst>
+          </p:cNvPr>
           <p:cNvSpPr>
             <a:spLocks noGrp="1"/>
           </p:cNvSpPr>
@@ -9079,14 +10501,820 @@
             <p:ph type="title"/>
           </p:nvPr>
         </p:nvSpPr>
-        <p:spPr/>
+        <p:spPr>
+          <a:xfrm>
+            <a:off x="874645" y="342900"/>
+            <a:ext cx="7966145" cy="585787"/>
+          </a:xfrm>
+        </p:spPr>
         <p:txBody>
           <a:bodyPr/>
           <a:lstStyle/>
           <a:p>
             <a:r>
               <a:rPr lang="en-US" dirty="0"/>
-              <a:t>Section Title (28pt)</a:t>
+              <a:t>Customizing a Template</a:t>
+            </a:r>
+          </a:p>
+        </p:txBody>
+      </p:sp>
+      <p:sp>
+        <p:nvSpPr>
+          <p:cNvPr id="3" name="Content Placeholder 2">
+            <a:extLst>
+              <a:ext uri="{FF2B5EF4-FFF2-40B4-BE49-F238E27FC236}">
+                <a16:creationId xmlns:a16="http://schemas.microsoft.com/office/drawing/2014/main" id="{C4DF7C0D-B435-44B5-9893-70987DF99A61}"/>
+              </a:ext>
+            </a:extLst>
+          </p:cNvPr>
+          <p:cNvSpPr>
+            <a:spLocks noGrp="1"/>
+          </p:cNvSpPr>
+          <p:nvPr>
+            <p:ph idx="1"/>
+          </p:nvPr>
+        </p:nvSpPr>
+        <p:spPr>
+          <a:xfrm>
+            <a:off x="874644" y="1127341"/>
+            <a:ext cx="4009205" cy="3783871"/>
+          </a:xfrm>
+        </p:spPr>
+        <p:txBody>
+          <a:bodyPr/>
+          <a:lstStyle/>
+          <a:p>
+            <a:r>
+              <a:rPr lang="en-US" dirty="0"/>
+              <a:t>Image Directory</a:t>
+            </a:r>
+          </a:p>
+          <a:p>
+            <a:pPr marL="285750" indent="-285750">
+              <a:buFont typeface="Arial" panose="020B0604020202020204" pitchFamily="34" charset="0"/>
+              <a:buChar char="•"/>
+            </a:pPr>
+            <a:r>
+              <a:rPr lang="en-US" dirty="0"/>
+              <a:t>Hooks</a:t>
+            </a:r>
+          </a:p>
+          <a:p>
+            <a:pPr marL="400050" lvl="1" indent="-285750"/>
+            <a:r>
+              <a:rPr lang="en-US" dirty="0"/>
+              <a:t>OEM</a:t>
+            </a:r>
+          </a:p>
+          <a:p>
+            <a:pPr marL="514350" lvl="2" indent="-285750"/>
+            <a:r>
+              <a:rPr lang="en-US" dirty="0" err="1"/>
+              <a:t>preHWdetect</a:t>
+            </a:r>
+            <a:r>
+              <a:rPr lang="en-US" dirty="0"/>
+              <a:t> | </a:t>
+            </a:r>
+            <a:r>
+              <a:rPr lang="en-US" dirty="0" err="1"/>
+              <a:t>postHWdetect</a:t>
+            </a:r>
+            <a:endParaRPr lang="en-US" dirty="0"/>
+          </a:p>
+          <a:p>
+            <a:pPr marL="628650" lvl="3" indent="-285750"/>
+            <a:r>
+              <a:rPr lang="en-US" dirty="0"/>
+              <a:t>Called before &amp; after boot code detects possible target storage device(s)</a:t>
+            </a:r>
+          </a:p>
+          <a:p>
+            <a:pPr marL="514350" lvl="2" indent="-285750"/>
+            <a:r>
+              <a:rPr lang="en-US" dirty="0" err="1"/>
+              <a:t>preImageDump</a:t>
+            </a:r>
+            <a:r>
+              <a:rPr lang="en-US" dirty="0"/>
+              <a:t> | </a:t>
+            </a:r>
+            <a:r>
+              <a:rPr lang="en-US" dirty="0" err="1"/>
+              <a:t>postImageDump</a:t>
+            </a:r>
+            <a:endParaRPr lang="en-US" dirty="0"/>
+          </a:p>
+          <a:p>
+            <a:pPr marL="628650" lvl="3" indent="-285750"/>
+            <a:r>
+              <a:rPr lang="en-US" dirty="0"/>
+              <a:t>Called before &amp; after the install image is dumped on the target disk</a:t>
+            </a:r>
+          </a:p>
+          <a:p>
+            <a:pPr marL="514350" lvl="2" indent="-285750"/>
+            <a:r>
+              <a:rPr lang="en-US" dirty="0" err="1"/>
+              <a:t>preCallInit</a:t>
+            </a:r>
+            <a:endParaRPr lang="en-US" dirty="0"/>
+          </a:p>
+          <a:p>
+            <a:pPr marL="628650" lvl="3" indent="-285750"/>
+            <a:r>
+              <a:rPr lang="en-US" dirty="0"/>
+              <a:t>Called before initialization process (root mounted)</a:t>
+            </a:r>
+          </a:p>
+          <a:p>
+            <a:pPr marL="514350" lvl="2" indent="-285750"/>
+            <a:r>
+              <a:rPr lang="en-US" dirty="0" err="1"/>
+              <a:t>preRecovery</a:t>
+            </a:r>
+            <a:r>
+              <a:rPr lang="en-US" dirty="0"/>
+              <a:t> | </a:t>
+            </a:r>
+            <a:r>
+              <a:rPr lang="en-US" dirty="0" err="1"/>
+              <a:t>postRecovery</a:t>
+            </a:r>
+            <a:endParaRPr lang="en-US" dirty="0"/>
+          </a:p>
+          <a:p>
+            <a:pPr marL="628650" lvl="3" indent="-285750"/>
+            <a:r>
+              <a:rPr lang="en-US" dirty="0"/>
+              <a:t>Called before &amp; after recovery code is processed.</a:t>
+            </a:r>
+          </a:p>
+          <a:p>
+            <a:pPr marL="514350" lvl="2" indent="-285750"/>
+            <a:r>
+              <a:rPr lang="en-US" dirty="0" err="1"/>
+              <a:t>preRecoverySetup</a:t>
+            </a:r>
+            <a:r>
+              <a:rPr lang="en-US" dirty="0"/>
+              <a:t> | </a:t>
+            </a:r>
+            <a:r>
+              <a:rPr lang="en-US" dirty="0" err="1"/>
+              <a:t>postRecoverySetup</a:t>
+            </a:r>
+            <a:endParaRPr lang="en-US" dirty="0"/>
+          </a:p>
+          <a:p>
+            <a:pPr marL="628650" lvl="3" indent="-285750"/>
+            <a:r>
+              <a:rPr lang="en-US" dirty="0"/>
+              <a:t>Called before &amp; after the recovery setup is processed.</a:t>
+            </a:r>
+          </a:p>
+        </p:txBody>
+      </p:sp>
+      <p:grpSp>
+        <p:nvGrpSpPr>
+          <p:cNvPr id="20" name="Group 19">
+            <a:extLst>
+              <a:ext uri="{FF2B5EF4-FFF2-40B4-BE49-F238E27FC236}">
+                <a16:creationId xmlns:a16="http://schemas.microsoft.com/office/drawing/2014/main" id="{1C4DBD49-5873-413B-853C-13DA5A0522DC}"/>
+              </a:ext>
+            </a:extLst>
+          </p:cNvPr>
+          <p:cNvGrpSpPr/>
+          <p:nvPr/>
+        </p:nvGrpSpPr>
+        <p:grpSpPr>
+          <a:xfrm>
+            <a:off x="4933341" y="925461"/>
+            <a:ext cx="3524860" cy="2835378"/>
+            <a:chOff x="5309420" y="1090471"/>
+            <a:chExt cx="3505059" cy="1840748"/>
+          </a:xfrm>
+        </p:grpSpPr>
+        <p:sp>
+          <p:nvSpPr>
+            <p:cNvPr id="19" name="Rectangle: Rounded Corners 18">
+              <a:extLst>
+                <a:ext uri="{FF2B5EF4-FFF2-40B4-BE49-F238E27FC236}">
+                  <a16:creationId xmlns:a16="http://schemas.microsoft.com/office/drawing/2014/main" id="{6C03226B-A3EB-4083-B204-EF1DBEA7E4D7}"/>
+                </a:ext>
+              </a:extLst>
+            </p:cNvPr>
+            <p:cNvSpPr/>
+            <p:nvPr/>
+          </p:nvSpPr>
+          <p:spPr>
+            <a:xfrm>
+              <a:off x="5309420" y="1090471"/>
+              <a:ext cx="3505059" cy="1840748"/>
+            </a:xfrm>
+            <a:prstGeom prst="roundRect">
+              <a:avLst/>
+            </a:prstGeom>
+            <a:solidFill>
+              <a:schemeClr val="accent5"/>
+            </a:solidFill>
+            <a:ln>
+              <a:noFill/>
+            </a:ln>
+          </p:spPr>
+          <p:style>
+            <a:lnRef idx="0">
+              <a:scrgbClr r="0" g="0" b="0"/>
+            </a:lnRef>
+            <a:fillRef idx="0">
+              <a:scrgbClr r="0" g="0" b="0"/>
+            </a:fillRef>
+            <a:effectRef idx="0">
+              <a:scrgbClr r="0" g="0" b="0"/>
+            </a:effectRef>
+            <a:fontRef idx="minor">
+              <a:schemeClr val="lt1"/>
+            </a:fontRef>
+          </p:style>
+          <p:txBody>
+            <a:bodyPr rtlCol="0" anchor="ctr"/>
+            <a:lstStyle/>
+            <a:p>
+              <a:pPr algn="ctr"/>
+              <a:endParaRPr lang="en-US" dirty="0"/>
+            </a:p>
+          </p:txBody>
+        </p:sp>
+        <p:sp>
+          <p:nvSpPr>
+            <p:cNvPr id="4" name="TextBox 3">
+              <a:extLst>
+                <a:ext uri="{FF2B5EF4-FFF2-40B4-BE49-F238E27FC236}">
+                  <a16:creationId xmlns:a16="http://schemas.microsoft.com/office/drawing/2014/main" id="{A5408AE2-9C3F-4F6D-A018-77C5591B260E}"/>
+                </a:ext>
+              </a:extLst>
+            </p:cNvPr>
+            <p:cNvSpPr txBox="1"/>
+            <p:nvPr/>
+          </p:nvSpPr>
+          <p:spPr>
+            <a:xfrm>
+              <a:off x="5589639" y="1155236"/>
+              <a:ext cx="870155" cy="206309"/>
+            </a:xfrm>
+            <a:prstGeom prst="rect">
+              <a:avLst/>
+            </a:prstGeom>
+            <a:noFill/>
+          </p:spPr>
+          <p:txBody>
+            <a:bodyPr wrap="square" rtlCol="0">
+              <a:spAutoFit/>
+            </a:bodyPr>
+            <a:lstStyle/>
+            <a:p>
+              <a:pPr algn="ctr"/>
+              <a:r>
+                <a:rPr lang="en-US" sz="1400" b="1" dirty="0">
+                  <a:solidFill>
+                    <a:schemeClr val="tx2"/>
+                  </a:solidFill>
+                </a:rPr>
+                <a:t>demo</a:t>
+              </a:r>
+            </a:p>
+          </p:txBody>
+        </p:sp>
+        <p:sp>
+          <p:nvSpPr>
+            <p:cNvPr id="5" name="TextBox 4">
+              <a:extLst>
+                <a:ext uri="{FF2B5EF4-FFF2-40B4-BE49-F238E27FC236}">
+                  <a16:creationId xmlns:a16="http://schemas.microsoft.com/office/drawing/2014/main" id="{7343D49F-A98E-4C31-BDA3-3760C97799D6}"/>
+                </a:ext>
+              </a:extLst>
+            </p:cNvPr>
+            <p:cNvSpPr txBox="1"/>
+            <p:nvPr/>
+          </p:nvSpPr>
+          <p:spPr>
+            <a:xfrm>
+              <a:off x="6435213" y="1521808"/>
+              <a:ext cx="1211826" cy="307777"/>
+            </a:xfrm>
+            <a:prstGeom prst="rect">
+              <a:avLst/>
+            </a:prstGeom>
+            <a:noFill/>
+          </p:spPr>
+          <p:txBody>
+            <a:bodyPr wrap="square" rtlCol="0">
+              <a:spAutoFit/>
+            </a:bodyPr>
+            <a:lstStyle/>
+            <a:p>
+              <a:r>
+                <a:rPr lang="en-US" sz="1400" b="1" dirty="0" err="1">
+                  <a:solidFill>
+                    <a:schemeClr val="tx2"/>
+                  </a:solidFill>
+                </a:rPr>
+                <a:t>demo.kiwi</a:t>
+              </a:r>
+              <a:endParaRPr lang="en-US" sz="1400" b="1" dirty="0">
+                <a:solidFill>
+                  <a:schemeClr val="tx2"/>
+                </a:solidFill>
+              </a:endParaRPr>
+            </a:p>
+          </p:txBody>
+        </p:sp>
+        <p:sp>
+          <p:nvSpPr>
+            <p:cNvPr id="6" name="TextBox 5">
+              <a:extLst>
+                <a:ext uri="{FF2B5EF4-FFF2-40B4-BE49-F238E27FC236}">
+                  <a16:creationId xmlns:a16="http://schemas.microsoft.com/office/drawing/2014/main" id="{3F0DCD87-1335-471F-8D11-26CF4D974331}"/>
+                </a:ext>
+              </a:extLst>
+            </p:cNvPr>
+            <p:cNvSpPr txBox="1"/>
+            <p:nvPr/>
+          </p:nvSpPr>
+          <p:spPr>
+            <a:xfrm>
+              <a:off x="6432758" y="1755327"/>
+              <a:ext cx="1211826" cy="307777"/>
+            </a:xfrm>
+            <a:prstGeom prst="rect">
+              <a:avLst/>
+            </a:prstGeom>
+            <a:noFill/>
+          </p:spPr>
+          <p:txBody>
+            <a:bodyPr wrap="square" rtlCol="0">
+              <a:spAutoFit/>
+            </a:bodyPr>
+            <a:lstStyle/>
+            <a:p>
+              <a:r>
+                <a:rPr lang="en-US" sz="1400" b="1" dirty="0">
+                  <a:solidFill>
+                    <a:schemeClr val="tx2"/>
+                  </a:solidFill>
+                </a:rPr>
+                <a:t>root</a:t>
+              </a:r>
+            </a:p>
+          </p:txBody>
+        </p:sp>
+        <p:sp>
+          <p:nvSpPr>
+            <p:cNvPr id="7" name="TextBox 6">
+              <a:extLst>
+                <a:ext uri="{FF2B5EF4-FFF2-40B4-BE49-F238E27FC236}">
+                  <a16:creationId xmlns:a16="http://schemas.microsoft.com/office/drawing/2014/main" id="{7137D407-73A0-4865-A1BD-207C6CC86314}"/>
+                </a:ext>
+              </a:extLst>
+            </p:cNvPr>
+            <p:cNvSpPr txBox="1"/>
+            <p:nvPr/>
+          </p:nvSpPr>
+          <p:spPr>
+            <a:xfrm>
+              <a:off x="6430302" y="1988840"/>
+              <a:ext cx="1211826" cy="307777"/>
+            </a:xfrm>
+            <a:prstGeom prst="rect">
+              <a:avLst/>
+            </a:prstGeom>
+            <a:noFill/>
+          </p:spPr>
+          <p:txBody>
+            <a:bodyPr wrap="square" rtlCol="0">
+              <a:spAutoFit/>
+            </a:bodyPr>
+            <a:lstStyle/>
+            <a:p>
+              <a:r>
+                <a:rPr lang="en-US" sz="1400" b="1" dirty="0">
+                  <a:solidFill>
+                    <a:schemeClr val="tx2"/>
+                  </a:solidFill>
+                </a:rPr>
+                <a:t>config.sh</a:t>
+              </a:r>
+            </a:p>
+          </p:txBody>
+        </p:sp>
+        <p:sp>
+          <p:nvSpPr>
+            <p:cNvPr id="8" name="TextBox 7">
+              <a:extLst>
+                <a:ext uri="{FF2B5EF4-FFF2-40B4-BE49-F238E27FC236}">
+                  <a16:creationId xmlns:a16="http://schemas.microsoft.com/office/drawing/2014/main" id="{AD54E37B-DAC1-4006-A189-45C9DA4AB4B9}"/>
+                </a:ext>
+              </a:extLst>
+            </p:cNvPr>
+            <p:cNvSpPr txBox="1"/>
+            <p:nvPr/>
+          </p:nvSpPr>
+          <p:spPr>
+            <a:xfrm>
+              <a:off x="6427843" y="2214980"/>
+              <a:ext cx="1211826" cy="307777"/>
+            </a:xfrm>
+            <a:prstGeom prst="rect">
+              <a:avLst/>
+            </a:prstGeom>
+            <a:noFill/>
+          </p:spPr>
+          <p:txBody>
+            <a:bodyPr wrap="square" rtlCol="0">
+              <a:spAutoFit/>
+            </a:bodyPr>
+            <a:lstStyle/>
+            <a:p>
+              <a:r>
+                <a:rPr lang="en-US" sz="1400" b="1" dirty="0">
+                  <a:solidFill>
+                    <a:schemeClr val="tx2"/>
+                  </a:solidFill>
+                </a:rPr>
+                <a:t>image</a:t>
+              </a:r>
+            </a:p>
+          </p:txBody>
+        </p:sp>
+        <p:cxnSp>
+          <p:nvCxnSpPr>
+            <p:cNvPr id="10" name="Straight Connector 9">
+              <a:extLst>
+                <a:ext uri="{FF2B5EF4-FFF2-40B4-BE49-F238E27FC236}">
+                  <a16:creationId xmlns:a16="http://schemas.microsoft.com/office/drawing/2014/main" id="{D88ED43F-6677-4C80-8E63-D6F43BB4A846}"/>
+                </a:ext>
+              </a:extLst>
+            </p:cNvPr>
+            <p:cNvCxnSpPr>
+              <a:cxnSpLocks/>
+              <a:stCxn id="4" idx="2"/>
+            </p:cNvCxnSpPr>
+            <p:nvPr/>
+          </p:nvCxnSpPr>
+          <p:spPr>
+            <a:xfrm flipH="1">
+              <a:off x="6005020" y="1361545"/>
+              <a:ext cx="19697" cy="1385995"/>
+            </a:xfrm>
+            <a:prstGeom prst="line">
+              <a:avLst/>
+            </a:prstGeom>
+            <a:ln w="19050" cap="rnd">
+              <a:round/>
+            </a:ln>
+          </p:spPr>
+          <p:style>
+            <a:lnRef idx="1">
+              <a:schemeClr val="accent1"/>
+            </a:lnRef>
+            <a:fillRef idx="0">
+              <a:schemeClr val="accent1"/>
+            </a:fillRef>
+            <a:effectRef idx="0">
+              <a:schemeClr val="accent1"/>
+            </a:effectRef>
+            <a:fontRef idx="minor">
+              <a:schemeClr val="tx1"/>
+            </a:fontRef>
+          </p:style>
+        </p:cxnSp>
+        <p:cxnSp>
+          <p:nvCxnSpPr>
+            <p:cNvPr id="15" name="Straight Arrow Connector 14">
+              <a:extLst>
+                <a:ext uri="{FF2B5EF4-FFF2-40B4-BE49-F238E27FC236}">
+                  <a16:creationId xmlns:a16="http://schemas.microsoft.com/office/drawing/2014/main" id="{67AB2946-6B5D-49E8-99D4-A62D8F56C140}"/>
+                </a:ext>
+              </a:extLst>
+            </p:cNvPr>
+            <p:cNvCxnSpPr>
+              <a:cxnSpLocks/>
+            </p:cNvCxnSpPr>
+            <p:nvPr/>
+          </p:nvCxnSpPr>
+          <p:spPr>
+            <a:xfrm>
+              <a:off x="6007470" y="2319438"/>
+              <a:ext cx="376088" cy="1"/>
+            </a:xfrm>
+            <a:prstGeom prst="straightConnector1">
+              <a:avLst/>
+            </a:prstGeom>
+            <a:ln w="19050" cap="rnd">
+              <a:round/>
+              <a:tailEnd type="triangle"/>
+            </a:ln>
+          </p:spPr>
+          <p:style>
+            <a:lnRef idx="1">
+              <a:schemeClr val="accent1"/>
+            </a:lnRef>
+            <a:fillRef idx="0">
+              <a:schemeClr val="accent1"/>
+            </a:fillRef>
+            <a:effectRef idx="0">
+              <a:schemeClr val="accent1"/>
+            </a:effectRef>
+            <a:fontRef idx="minor">
+              <a:schemeClr val="tx1"/>
+            </a:fontRef>
+          </p:style>
+        </p:cxnSp>
+        <p:cxnSp>
+          <p:nvCxnSpPr>
+            <p:cNvPr id="16" name="Straight Arrow Connector 15">
+              <a:extLst>
+                <a:ext uri="{FF2B5EF4-FFF2-40B4-BE49-F238E27FC236}">
+                  <a16:creationId xmlns:a16="http://schemas.microsoft.com/office/drawing/2014/main" id="{214EA947-67CC-408F-8429-4E140F09235B}"/>
+                </a:ext>
+              </a:extLst>
+            </p:cNvPr>
+            <p:cNvCxnSpPr>
+              <a:cxnSpLocks/>
+            </p:cNvCxnSpPr>
+            <p:nvPr/>
+          </p:nvCxnSpPr>
+          <p:spPr>
+            <a:xfrm>
+              <a:off x="6012431" y="2103132"/>
+              <a:ext cx="368712" cy="0"/>
+            </a:xfrm>
+            <a:prstGeom prst="straightConnector1">
+              <a:avLst/>
+            </a:prstGeom>
+            <a:ln w="19050" cap="rnd">
+              <a:round/>
+              <a:tailEnd type="triangle"/>
+            </a:ln>
+          </p:spPr>
+          <p:style>
+            <a:lnRef idx="1">
+              <a:schemeClr val="accent1"/>
+            </a:lnRef>
+            <a:fillRef idx="0">
+              <a:schemeClr val="accent1"/>
+            </a:fillRef>
+            <a:effectRef idx="0">
+              <a:schemeClr val="accent1"/>
+            </a:effectRef>
+            <a:fontRef idx="minor">
+              <a:schemeClr val="tx1"/>
+            </a:fontRef>
+          </p:style>
+        </p:cxnSp>
+        <p:cxnSp>
+          <p:nvCxnSpPr>
+            <p:cNvPr id="17" name="Straight Arrow Connector 16">
+              <a:extLst>
+                <a:ext uri="{FF2B5EF4-FFF2-40B4-BE49-F238E27FC236}">
+                  <a16:creationId xmlns:a16="http://schemas.microsoft.com/office/drawing/2014/main" id="{A6C7419D-18D0-4671-ACAF-A406BE215EBC}"/>
+                </a:ext>
+              </a:extLst>
+            </p:cNvPr>
+            <p:cNvCxnSpPr>
+              <a:cxnSpLocks/>
+            </p:cNvCxnSpPr>
+            <p:nvPr/>
+          </p:nvCxnSpPr>
+          <p:spPr>
+            <a:xfrm>
+              <a:off x="6012431" y="1874531"/>
+              <a:ext cx="376088" cy="1"/>
+            </a:xfrm>
+            <a:prstGeom prst="straightConnector1">
+              <a:avLst/>
+            </a:prstGeom>
+            <a:ln w="19050" cap="rnd">
+              <a:round/>
+              <a:tailEnd type="triangle"/>
+            </a:ln>
+          </p:spPr>
+          <p:style>
+            <a:lnRef idx="1">
+              <a:schemeClr val="accent1"/>
+            </a:lnRef>
+            <a:fillRef idx="0">
+              <a:schemeClr val="accent1"/>
+            </a:fillRef>
+            <a:effectRef idx="0">
+              <a:schemeClr val="accent1"/>
+            </a:effectRef>
+            <a:fontRef idx="minor">
+              <a:schemeClr val="tx1"/>
+            </a:fontRef>
+          </p:style>
+        </p:cxnSp>
+        <p:cxnSp>
+          <p:nvCxnSpPr>
+            <p:cNvPr id="18" name="Straight Arrow Connector 17">
+              <a:extLst>
+                <a:ext uri="{FF2B5EF4-FFF2-40B4-BE49-F238E27FC236}">
+                  <a16:creationId xmlns:a16="http://schemas.microsoft.com/office/drawing/2014/main" id="{7B5696BD-8D9C-4FB1-A7CF-2EDC5C594F53}"/>
+                </a:ext>
+              </a:extLst>
+            </p:cNvPr>
+            <p:cNvCxnSpPr>
+              <a:cxnSpLocks/>
+            </p:cNvCxnSpPr>
+            <p:nvPr/>
+          </p:nvCxnSpPr>
+          <p:spPr>
+            <a:xfrm>
+              <a:off x="6019801" y="1638552"/>
+              <a:ext cx="376088" cy="1"/>
+            </a:xfrm>
+            <a:prstGeom prst="straightConnector1">
+              <a:avLst/>
+            </a:prstGeom>
+            <a:ln w="19050" cap="rnd">
+              <a:round/>
+              <a:tailEnd type="triangle"/>
+            </a:ln>
+          </p:spPr>
+          <p:style>
+            <a:lnRef idx="1">
+              <a:schemeClr val="accent1"/>
+            </a:lnRef>
+            <a:fillRef idx="0">
+              <a:schemeClr val="accent1"/>
+            </a:fillRef>
+            <a:effectRef idx="0">
+              <a:schemeClr val="accent1"/>
+            </a:effectRef>
+            <a:fontRef idx="minor">
+              <a:schemeClr val="tx1"/>
+            </a:fontRef>
+          </p:style>
+        </p:cxnSp>
+      </p:grpSp>
+      <p:cxnSp>
+        <p:nvCxnSpPr>
+          <p:cNvPr id="21" name="Straight Arrow Connector 20">
+            <a:extLst>
+              <a:ext uri="{FF2B5EF4-FFF2-40B4-BE49-F238E27FC236}">
+                <a16:creationId xmlns:a16="http://schemas.microsoft.com/office/drawing/2014/main" id="{104308C7-C76A-4C9B-90CB-786B12BFAD3D}"/>
+              </a:ext>
+            </a:extLst>
+          </p:cNvPr>
+          <p:cNvCxnSpPr>
+            <a:cxnSpLocks/>
+          </p:cNvCxnSpPr>
+          <p:nvPr/>
+        </p:nvCxnSpPr>
+        <p:spPr>
+          <a:xfrm>
+            <a:off x="5632871" y="3134442"/>
+            <a:ext cx="378213" cy="2"/>
+          </a:xfrm>
+          <a:prstGeom prst="straightConnector1">
+            <a:avLst/>
+          </a:prstGeom>
+          <a:ln w="19050" cap="rnd">
+            <a:round/>
+            <a:tailEnd type="triangle"/>
+          </a:ln>
+        </p:spPr>
+        <p:style>
+          <a:lnRef idx="1">
+            <a:schemeClr val="accent1"/>
+          </a:lnRef>
+          <a:fillRef idx="0">
+            <a:schemeClr val="accent1"/>
+          </a:fillRef>
+          <a:effectRef idx="0">
+            <a:schemeClr val="accent1"/>
+          </a:effectRef>
+          <a:fontRef idx="minor">
+            <a:schemeClr val="tx1"/>
+          </a:fontRef>
+        </p:style>
+      </p:cxnSp>
+      <p:sp>
+        <p:nvSpPr>
+          <p:cNvPr id="22" name="TextBox 21">
+            <a:extLst>
+              <a:ext uri="{FF2B5EF4-FFF2-40B4-BE49-F238E27FC236}">
+                <a16:creationId xmlns:a16="http://schemas.microsoft.com/office/drawing/2014/main" id="{EDEA83BA-8BE6-4303-958E-0CB15514D648}"/>
+              </a:ext>
+            </a:extLst>
+          </p:cNvPr>
+          <p:cNvSpPr txBox="1"/>
+          <p:nvPr/>
+        </p:nvSpPr>
+        <p:spPr>
+          <a:xfrm>
+            <a:off x="6058082" y="2965871"/>
+            <a:ext cx="2299339" cy="307777"/>
+          </a:xfrm>
+          <a:prstGeom prst="rect">
+            <a:avLst/>
+          </a:prstGeom>
+          <a:noFill/>
+        </p:spPr>
+        <p:txBody>
+          <a:bodyPr wrap="square" rtlCol="0">
+            <a:spAutoFit/>
+          </a:bodyPr>
+          <a:lstStyle/>
+          <a:p>
+            <a:r>
+              <a:rPr lang="en-US" sz="1400" b="1" dirty="0">
+                <a:solidFill>
+                  <a:schemeClr val="tx2"/>
+                </a:solidFill>
+              </a:rPr>
+              <a:t>config-yast-autoyast.xml</a:t>
+            </a:r>
+          </a:p>
+        </p:txBody>
+      </p:sp>
+      <p:cxnSp>
+        <p:nvCxnSpPr>
+          <p:cNvPr id="23" name="Straight Arrow Connector 22">
+            <a:extLst>
+              <a:ext uri="{FF2B5EF4-FFF2-40B4-BE49-F238E27FC236}">
+                <a16:creationId xmlns:a16="http://schemas.microsoft.com/office/drawing/2014/main" id="{AD982FDE-4D82-4BD0-9045-F3392CCB20B2}"/>
+              </a:ext>
+            </a:extLst>
+          </p:cNvPr>
+          <p:cNvCxnSpPr>
+            <a:cxnSpLocks/>
+          </p:cNvCxnSpPr>
+          <p:nvPr/>
+        </p:nvCxnSpPr>
+        <p:spPr>
+          <a:xfrm>
+            <a:off x="5635143" y="3477910"/>
+            <a:ext cx="378213" cy="2"/>
+          </a:xfrm>
+          <a:prstGeom prst="straightConnector1">
+            <a:avLst/>
+          </a:prstGeom>
+          <a:ln w="19050" cap="rnd">
+            <a:round/>
+            <a:tailEnd type="triangle"/>
+          </a:ln>
+        </p:spPr>
+        <p:style>
+          <a:lnRef idx="1">
+            <a:schemeClr val="accent1"/>
+          </a:lnRef>
+          <a:fillRef idx="0">
+            <a:schemeClr val="accent1"/>
+          </a:fillRef>
+          <a:effectRef idx="0">
+            <a:schemeClr val="accent1"/>
+          </a:effectRef>
+          <a:fontRef idx="minor">
+            <a:schemeClr val="tx1"/>
+          </a:fontRef>
+        </p:style>
+      </p:cxnSp>
+      <p:sp>
+        <p:nvSpPr>
+          <p:cNvPr id="24" name="TextBox 23">
+            <a:extLst>
+              <a:ext uri="{FF2B5EF4-FFF2-40B4-BE49-F238E27FC236}">
+                <a16:creationId xmlns:a16="http://schemas.microsoft.com/office/drawing/2014/main" id="{B2F88C7F-2346-4576-88A3-06EA3DD185F6}"/>
+              </a:ext>
+            </a:extLst>
+          </p:cNvPr>
+          <p:cNvSpPr txBox="1"/>
+          <p:nvPr/>
+        </p:nvSpPr>
+        <p:spPr>
+          <a:xfrm>
+            <a:off x="6060354" y="3309339"/>
+            <a:ext cx="2299339" cy="307777"/>
+          </a:xfrm>
+          <a:prstGeom prst="rect">
+            <a:avLst/>
+          </a:prstGeom>
+          <a:noFill/>
+        </p:spPr>
+        <p:txBody>
+          <a:bodyPr wrap="square" rtlCol="0">
+            <a:spAutoFit/>
+          </a:bodyPr>
+          <a:lstStyle/>
+          <a:p>
+            <a:r>
+              <a:rPr lang="en-US" sz="1400" b="1" dirty="0">
+                <a:solidFill>
+                  <a:schemeClr val="tx2"/>
+                </a:solidFill>
+              </a:rPr>
+              <a:t>kiwi-hooks.tgz</a:t>
             </a:r>
           </a:p>
         </p:txBody>
@@ -9094,7 +11322,7 @@
     </p:spTree>
     <p:extLst>
       <p:ext uri="{BB962C8B-B14F-4D97-AF65-F5344CB8AC3E}">
-        <p14:creationId xmlns:p14="http://schemas.microsoft.com/office/powerpoint/2010/main" val="1820310859"/>
+        <p14:creationId xmlns:p14="http://schemas.microsoft.com/office/powerpoint/2010/main" val="1070418113"/>
       </p:ext>
     </p:extLst>
   </p:cSld>
@@ -9103,10 +11331,14 @@
   </p:clrMapOvr>
   <mc:AlternateContent xmlns:mc="http://schemas.openxmlformats.org/markup-compatibility/2006" xmlns:p14="http://schemas.microsoft.com/office/powerpoint/2010/main">
     <mc:Choice Requires="p14">
-      <p:transition p14:dur="0"/>
+      <p:transition spd="med" p14:dur="700">
+        <p:fade/>
+      </p:transition>
     </mc:Choice>
     <mc:Fallback xmlns="">
-      <p:transition/>
+      <p:transition spd="med">
+        <p:fade/>
+      </p:transition>
     </mc:Fallback>
   </mc:AlternateContent>
 </p:sld>
@@ -9341,7 +11573,13 @@
       </p:grpSpPr>
       <p:sp>
         <p:nvSpPr>
-          <p:cNvPr id="2" name="Title 1"/>
+          <p:cNvPr id="2" name="Title 1">
+            <a:extLst>
+              <a:ext uri="{FF2B5EF4-FFF2-40B4-BE49-F238E27FC236}">
+                <a16:creationId xmlns:a16="http://schemas.microsoft.com/office/drawing/2014/main" id="{B34C4856-EC47-45CB-9121-904CBB520075}"/>
+              </a:ext>
+            </a:extLst>
+          </p:cNvPr>
           <p:cNvSpPr>
             <a:spLocks noGrp="1"/>
           </p:cNvSpPr>
@@ -9349,14 +11587,728 @@
             <p:ph type="title"/>
           </p:nvPr>
         </p:nvSpPr>
-        <p:spPr/>
+        <p:spPr>
+          <a:xfrm>
+            <a:off x="874645" y="342900"/>
+            <a:ext cx="7966145" cy="585787"/>
+          </a:xfrm>
+        </p:spPr>
         <p:txBody>
           <a:bodyPr/>
           <a:lstStyle/>
           <a:p>
             <a:r>
               <a:rPr lang="en-US" dirty="0"/>
-              <a:t>Section Title (28pt)</a:t>
+              <a:t>Customizing a Template</a:t>
+            </a:r>
+          </a:p>
+        </p:txBody>
+      </p:sp>
+      <p:sp>
+        <p:nvSpPr>
+          <p:cNvPr id="3" name="Content Placeholder 2">
+            <a:extLst>
+              <a:ext uri="{FF2B5EF4-FFF2-40B4-BE49-F238E27FC236}">
+                <a16:creationId xmlns:a16="http://schemas.microsoft.com/office/drawing/2014/main" id="{C4DF7C0D-B435-44B5-9893-70987DF99A61}"/>
+              </a:ext>
+            </a:extLst>
+          </p:cNvPr>
+          <p:cNvSpPr>
+            <a:spLocks noGrp="1"/>
+          </p:cNvSpPr>
+          <p:nvPr>
+            <p:ph idx="1"/>
+          </p:nvPr>
+        </p:nvSpPr>
+        <p:spPr>
+          <a:xfrm>
+            <a:off x="874644" y="1127341"/>
+            <a:ext cx="4009205" cy="3783871"/>
+          </a:xfrm>
+        </p:spPr>
+        <p:txBody>
+          <a:bodyPr/>
+          <a:lstStyle/>
+          <a:p>
+            <a:r>
+              <a:rPr lang="en-US" dirty="0"/>
+              <a:t>Image Directory</a:t>
+            </a:r>
+          </a:p>
+          <a:p>
+            <a:pPr marL="285750" indent="-285750">
+              <a:buFont typeface="Arial" panose="020B0604020202020204" pitchFamily="34" charset="0"/>
+              <a:buChar char="•"/>
+            </a:pPr>
+            <a:r>
+              <a:rPr lang="en-US" dirty="0"/>
+              <a:t>Hooks</a:t>
+            </a:r>
+          </a:p>
+          <a:p>
+            <a:pPr marL="400050" lvl="1" indent="-285750"/>
+            <a:r>
+              <a:rPr lang="en-US" dirty="0"/>
+              <a:t>VMX</a:t>
+            </a:r>
+          </a:p>
+          <a:p>
+            <a:pPr marL="514350" lvl="2" indent="-285750"/>
+            <a:r>
+              <a:rPr lang="en-US" dirty="0" err="1"/>
+              <a:t>preCallInit</a:t>
+            </a:r>
+            <a:endParaRPr lang="en-US" dirty="0"/>
+          </a:p>
+          <a:p>
+            <a:pPr marL="628650" lvl="3" indent="-285750"/>
+            <a:r>
+              <a:rPr lang="en-US" dirty="0"/>
+              <a:t>Called before initialization process (root mounted)</a:t>
+            </a:r>
+          </a:p>
+        </p:txBody>
+      </p:sp>
+      <p:grpSp>
+        <p:nvGrpSpPr>
+          <p:cNvPr id="20" name="Group 19">
+            <a:extLst>
+              <a:ext uri="{FF2B5EF4-FFF2-40B4-BE49-F238E27FC236}">
+                <a16:creationId xmlns:a16="http://schemas.microsoft.com/office/drawing/2014/main" id="{1C4DBD49-5873-413B-853C-13DA5A0522DC}"/>
+              </a:ext>
+            </a:extLst>
+          </p:cNvPr>
+          <p:cNvGrpSpPr/>
+          <p:nvPr/>
+        </p:nvGrpSpPr>
+        <p:grpSpPr>
+          <a:xfrm>
+            <a:off x="4933341" y="925461"/>
+            <a:ext cx="3524860" cy="2835378"/>
+            <a:chOff x="5309420" y="1090471"/>
+            <a:chExt cx="3505059" cy="1840748"/>
+          </a:xfrm>
+        </p:grpSpPr>
+        <p:sp>
+          <p:nvSpPr>
+            <p:cNvPr id="19" name="Rectangle: Rounded Corners 18">
+              <a:extLst>
+                <a:ext uri="{FF2B5EF4-FFF2-40B4-BE49-F238E27FC236}">
+                  <a16:creationId xmlns:a16="http://schemas.microsoft.com/office/drawing/2014/main" id="{6C03226B-A3EB-4083-B204-EF1DBEA7E4D7}"/>
+                </a:ext>
+              </a:extLst>
+            </p:cNvPr>
+            <p:cNvSpPr/>
+            <p:nvPr/>
+          </p:nvSpPr>
+          <p:spPr>
+            <a:xfrm>
+              <a:off x="5309420" y="1090471"/>
+              <a:ext cx="3505059" cy="1840748"/>
+            </a:xfrm>
+            <a:prstGeom prst="roundRect">
+              <a:avLst/>
+            </a:prstGeom>
+            <a:solidFill>
+              <a:schemeClr val="accent5"/>
+            </a:solidFill>
+            <a:ln>
+              <a:noFill/>
+            </a:ln>
+          </p:spPr>
+          <p:style>
+            <a:lnRef idx="0">
+              <a:scrgbClr r="0" g="0" b="0"/>
+            </a:lnRef>
+            <a:fillRef idx="0">
+              <a:scrgbClr r="0" g="0" b="0"/>
+            </a:fillRef>
+            <a:effectRef idx="0">
+              <a:scrgbClr r="0" g="0" b="0"/>
+            </a:effectRef>
+            <a:fontRef idx="minor">
+              <a:schemeClr val="lt1"/>
+            </a:fontRef>
+          </p:style>
+          <p:txBody>
+            <a:bodyPr rtlCol="0" anchor="ctr"/>
+            <a:lstStyle/>
+            <a:p>
+              <a:pPr algn="ctr"/>
+              <a:endParaRPr lang="en-US" dirty="0"/>
+            </a:p>
+          </p:txBody>
+        </p:sp>
+        <p:sp>
+          <p:nvSpPr>
+            <p:cNvPr id="4" name="TextBox 3">
+              <a:extLst>
+                <a:ext uri="{FF2B5EF4-FFF2-40B4-BE49-F238E27FC236}">
+                  <a16:creationId xmlns:a16="http://schemas.microsoft.com/office/drawing/2014/main" id="{A5408AE2-9C3F-4F6D-A018-77C5591B260E}"/>
+                </a:ext>
+              </a:extLst>
+            </p:cNvPr>
+            <p:cNvSpPr txBox="1"/>
+            <p:nvPr/>
+          </p:nvSpPr>
+          <p:spPr>
+            <a:xfrm>
+              <a:off x="5589639" y="1155236"/>
+              <a:ext cx="870155" cy="206309"/>
+            </a:xfrm>
+            <a:prstGeom prst="rect">
+              <a:avLst/>
+            </a:prstGeom>
+            <a:noFill/>
+          </p:spPr>
+          <p:txBody>
+            <a:bodyPr wrap="square" rtlCol="0">
+              <a:spAutoFit/>
+            </a:bodyPr>
+            <a:lstStyle/>
+            <a:p>
+              <a:pPr algn="ctr"/>
+              <a:r>
+                <a:rPr lang="en-US" sz="1400" b="1" dirty="0">
+                  <a:solidFill>
+                    <a:schemeClr val="tx2"/>
+                  </a:solidFill>
+                </a:rPr>
+                <a:t>demo</a:t>
+              </a:r>
+            </a:p>
+          </p:txBody>
+        </p:sp>
+        <p:sp>
+          <p:nvSpPr>
+            <p:cNvPr id="5" name="TextBox 4">
+              <a:extLst>
+                <a:ext uri="{FF2B5EF4-FFF2-40B4-BE49-F238E27FC236}">
+                  <a16:creationId xmlns:a16="http://schemas.microsoft.com/office/drawing/2014/main" id="{7343D49F-A98E-4C31-BDA3-3760C97799D6}"/>
+                </a:ext>
+              </a:extLst>
+            </p:cNvPr>
+            <p:cNvSpPr txBox="1"/>
+            <p:nvPr/>
+          </p:nvSpPr>
+          <p:spPr>
+            <a:xfrm>
+              <a:off x="6435213" y="1521808"/>
+              <a:ext cx="1211826" cy="307777"/>
+            </a:xfrm>
+            <a:prstGeom prst="rect">
+              <a:avLst/>
+            </a:prstGeom>
+            <a:noFill/>
+          </p:spPr>
+          <p:txBody>
+            <a:bodyPr wrap="square" rtlCol="0">
+              <a:spAutoFit/>
+            </a:bodyPr>
+            <a:lstStyle/>
+            <a:p>
+              <a:r>
+                <a:rPr lang="en-US" sz="1400" b="1" dirty="0" err="1">
+                  <a:solidFill>
+                    <a:schemeClr val="tx2"/>
+                  </a:solidFill>
+                </a:rPr>
+                <a:t>demo.kiwi</a:t>
+              </a:r>
+              <a:endParaRPr lang="en-US" sz="1400" b="1" dirty="0">
+                <a:solidFill>
+                  <a:schemeClr val="tx2"/>
+                </a:solidFill>
+              </a:endParaRPr>
+            </a:p>
+          </p:txBody>
+        </p:sp>
+        <p:sp>
+          <p:nvSpPr>
+            <p:cNvPr id="6" name="TextBox 5">
+              <a:extLst>
+                <a:ext uri="{FF2B5EF4-FFF2-40B4-BE49-F238E27FC236}">
+                  <a16:creationId xmlns:a16="http://schemas.microsoft.com/office/drawing/2014/main" id="{3F0DCD87-1335-471F-8D11-26CF4D974331}"/>
+                </a:ext>
+              </a:extLst>
+            </p:cNvPr>
+            <p:cNvSpPr txBox="1"/>
+            <p:nvPr/>
+          </p:nvSpPr>
+          <p:spPr>
+            <a:xfrm>
+              <a:off x="6432758" y="1755327"/>
+              <a:ext cx="1211826" cy="307777"/>
+            </a:xfrm>
+            <a:prstGeom prst="rect">
+              <a:avLst/>
+            </a:prstGeom>
+            <a:noFill/>
+          </p:spPr>
+          <p:txBody>
+            <a:bodyPr wrap="square" rtlCol="0">
+              <a:spAutoFit/>
+            </a:bodyPr>
+            <a:lstStyle/>
+            <a:p>
+              <a:r>
+                <a:rPr lang="en-US" sz="1400" b="1" dirty="0">
+                  <a:solidFill>
+                    <a:schemeClr val="tx2"/>
+                  </a:solidFill>
+                </a:rPr>
+                <a:t>root</a:t>
+              </a:r>
+            </a:p>
+          </p:txBody>
+        </p:sp>
+        <p:sp>
+          <p:nvSpPr>
+            <p:cNvPr id="7" name="TextBox 6">
+              <a:extLst>
+                <a:ext uri="{FF2B5EF4-FFF2-40B4-BE49-F238E27FC236}">
+                  <a16:creationId xmlns:a16="http://schemas.microsoft.com/office/drawing/2014/main" id="{7137D407-73A0-4865-A1BD-207C6CC86314}"/>
+                </a:ext>
+              </a:extLst>
+            </p:cNvPr>
+            <p:cNvSpPr txBox="1"/>
+            <p:nvPr/>
+          </p:nvSpPr>
+          <p:spPr>
+            <a:xfrm>
+              <a:off x="6430302" y="1988840"/>
+              <a:ext cx="1211826" cy="307777"/>
+            </a:xfrm>
+            <a:prstGeom prst="rect">
+              <a:avLst/>
+            </a:prstGeom>
+            <a:noFill/>
+          </p:spPr>
+          <p:txBody>
+            <a:bodyPr wrap="square" rtlCol="0">
+              <a:spAutoFit/>
+            </a:bodyPr>
+            <a:lstStyle/>
+            <a:p>
+              <a:r>
+                <a:rPr lang="en-US" sz="1400" b="1" dirty="0">
+                  <a:solidFill>
+                    <a:schemeClr val="tx2"/>
+                  </a:solidFill>
+                </a:rPr>
+                <a:t>config.sh</a:t>
+              </a:r>
+            </a:p>
+          </p:txBody>
+        </p:sp>
+        <p:sp>
+          <p:nvSpPr>
+            <p:cNvPr id="8" name="TextBox 7">
+              <a:extLst>
+                <a:ext uri="{FF2B5EF4-FFF2-40B4-BE49-F238E27FC236}">
+                  <a16:creationId xmlns:a16="http://schemas.microsoft.com/office/drawing/2014/main" id="{AD54E37B-DAC1-4006-A189-45C9DA4AB4B9}"/>
+                </a:ext>
+              </a:extLst>
+            </p:cNvPr>
+            <p:cNvSpPr txBox="1"/>
+            <p:nvPr/>
+          </p:nvSpPr>
+          <p:spPr>
+            <a:xfrm>
+              <a:off x="6427843" y="2214980"/>
+              <a:ext cx="1211826" cy="307777"/>
+            </a:xfrm>
+            <a:prstGeom prst="rect">
+              <a:avLst/>
+            </a:prstGeom>
+            <a:noFill/>
+          </p:spPr>
+          <p:txBody>
+            <a:bodyPr wrap="square" rtlCol="0">
+              <a:spAutoFit/>
+            </a:bodyPr>
+            <a:lstStyle/>
+            <a:p>
+              <a:r>
+                <a:rPr lang="en-US" sz="1400" b="1" dirty="0">
+                  <a:solidFill>
+                    <a:schemeClr val="tx2"/>
+                  </a:solidFill>
+                </a:rPr>
+                <a:t>image</a:t>
+              </a:r>
+            </a:p>
+          </p:txBody>
+        </p:sp>
+        <p:cxnSp>
+          <p:nvCxnSpPr>
+            <p:cNvPr id="10" name="Straight Connector 9">
+              <a:extLst>
+                <a:ext uri="{FF2B5EF4-FFF2-40B4-BE49-F238E27FC236}">
+                  <a16:creationId xmlns:a16="http://schemas.microsoft.com/office/drawing/2014/main" id="{D88ED43F-6677-4C80-8E63-D6F43BB4A846}"/>
+                </a:ext>
+              </a:extLst>
+            </p:cNvPr>
+            <p:cNvCxnSpPr>
+              <a:cxnSpLocks/>
+              <a:stCxn id="4" idx="2"/>
+            </p:cNvCxnSpPr>
+            <p:nvPr/>
+          </p:nvCxnSpPr>
+          <p:spPr>
+            <a:xfrm flipH="1">
+              <a:off x="6005020" y="1361545"/>
+              <a:ext cx="19697" cy="1385995"/>
+            </a:xfrm>
+            <a:prstGeom prst="line">
+              <a:avLst/>
+            </a:prstGeom>
+            <a:ln w="19050" cap="rnd">
+              <a:round/>
+            </a:ln>
+          </p:spPr>
+          <p:style>
+            <a:lnRef idx="1">
+              <a:schemeClr val="accent1"/>
+            </a:lnRef>
+            <a:fillRef idx="0">
+              <a:schemeClr val="accent1"/>
+            </a:fillRef>
+            <a:effectRef idx="0">
+              <a:schemeClr val="accent1"/>
+            </a:effectRef>
+            <a:fontRef idx="minor">
+              <a:schemeClr val="tx1"/>
+            </a:fontRef>
+          </p:style>
+        </p:cxnSp>
+        <p:cxnSp>
+          <p:nvCxnSpPr>
+            <p:cNvPr id="15" name="Straight Arrow Connector 14">
+              <a:extLst>
+                <a:ext uri="{FF2B5EF4-FFF2-40B4-BE49-F238E27FC236}">
+                  <a16:creationId xmlns:a16="http://schemas.microsoft.com/office/drawing/2014/main" id="{67AB2946-6B5D-49E8-99D4-A62D8F56C140}"/>
+                </a:ext>
+              </a:extLst>
+            </p:cNvPr>
+            <p:cNvCxnSpPr>
+              <a:cxnSpLocks/>
+            </p:cNvCxnSpPr>
+            <p:nvPr/>
+          </p:nvCxnSpPr>
+          <p:spPr>
+            <a:xfrm>
+              <a:off x="6007470" y="2319438"/>
+              <a:ext cx="376088" cy="1"/>
+            </a:xfrm>
+            <a:prstGeom prst="straightConnector1">
+              <a:avLst/>
+            </a:prstGeom>
+            <a:ln w="19050" cap="rnd">
+              <a:round/>
+              <a:tailEnd type="triangle"/>
+            </a:ln>
+          </p:spPr>
+          <p:style>
+            <a:lnRef idx="1">
+              <a:schemeClr val="accent1"/>
+            </a:lnRef>
+            <a:fillRef idx="0">
+              <a:schemeClr val="accent1"/>
+            </a:fillRef>
+            <a:effectRef idx="0">
+              <a:schemeClr val="accent1"/>
+            </a:effectRef>
+            <a:fontRef idx="minor">
+              <a:schemeClr val="tx1"/>
+            </a:fontRef>
+          </p:style>
+        </p:cxnSp>
+        <p:cxnSp>
+          <p:nvCxnSpPr>
+            <p:cNvPr id="16" name="Straight Arrow Connector 15">
+              <a:extLst>
+                <a:ext uri="{FF2B5EF4-FFF2-40B4-BE49-F238E27FC236}">
+                  <a16:creationId xmlns:a16="http://schemas.microsoft.com/office/drawing/2014/main" id="{214EA947-67CC-408F-8429-4E140F09235B}"/>
+                </a:ext>
+              </a:extLst>
+            </p:cNvPr>
+            <p:cNvCxnSpPr>
+              <a:cxnSpLocks/>
+            </p:cNvCxnSpPr>
+            <p:nvPr/>
+          </p:nvCxnSpPr>
+          <p:spPr>
+            <a:xfrm>
+              <a:off x="6012431" y="2103132"/>
+              <a:ext cx="368712" cy="0"/>
+            </a:xfrm>
+            <a:prstGeom prst="straightConnector1">
+              <a:avLst/>
+            </a:prstGeom>
+            <a:ln w="19050" cap="rnd">
+              <a:round/>
+              <a:tailEnd type="triangle"/>
+            </a:ln>
+          </p:spPr>
+          <p:style>
+            <a:lnRef idx="1">
+              <a:schemeClr val="accent1"/>
+            </a:lnRef>
+            <a:fillRef idx="0">
+              <a:schemeClr val="accent1"/>
+            </a:fillRef>
+            <a:effectRef idx="0">
+              <a:schemeClr val="accent1"/>
+            </a:effectRef>
+            <a:fontRef idx="minor">
+              <a:schemeClr val="tx1"/>
+            </a:fontRef>
+          </p:style>
+        </p:cxnSp>
+        <p:cxnSp>
+          <p:nvCxnSpPr>
+            <p:cNvPr id="17" name="Straight Arrow Connector 16">
+              <a:extLst>
+                <a:ext uri="{FF2B5EF4-FFF2-40B4-BE49-F238E27FC236}">
+                  <a16:creationId xmlns:a16="http://schemas.microsoft.com/office/drawing/2014/main" id="{A6C7419D-18D0-4671-ACAF-A406BE215EBC}"/>
+                </a:ext>
+              </a:extLst>
+            </p:cNvPr>
+            <p:cNvCxnSpPr>
+              <a:cxnSpLocks/>
+            </p:cNvCxnSpPr>
+            <p:nvPr/>
+          </p:nvCxnSpPr>
+          <p:spPr>
+            <a:xfrm>
+              <a:off x="6012431" y="1874531"/>
+              <a:ext cx="376088" cy="1"/>
+            </a:xfrm>
+            <a:prstGeom prst="straightConnector1">
+              <a:avLst/>
+            </a:prstGeom>
+            <a:ln w="19050" cap="rnd">
+              <a:round/>
+              <a:tailEnd type="triangle"/>
+            </a:ln>
+          </p:spPr>
+          <p:style>
+            <a:lnRef idx="1">
+              <a:schemeClr val="accent1"/>
+            </a:lnRef>
+            <a:fillRef idx="0">
+              <a:schemeClr val="accent1"/>
+            </a:fillRef>
+            <a:effectRef idx="0">
+              <a:schemeClr val="accent1"/>
+            </a:effectRef>
+            <a:fontRef idx="minor">
+              <a:schemeClr val="tx1"/>
+            </a:fontRef>
+          </p:style>
+        </p:cxnSp>
+        <p:cxnSp>
+          <p:nvCxnSpPr>
+            <p:cNvPr id="18" name="Straight Arrow Connector 17">
+              <a:extLst>
+                <a:ext uri="{FF2B5EF4-FFF2-40B4-BE49-F238E27FC236}">
+                  <a16:creationId xmlns:a16="http://schemas.microsoft.com/office/drawing/2014/main" id="{7B5696BD-8D9C-4FB1-A7CF-2EDC5C594F53}"/>
+                </a:ext>
+              </a:extLst>
+            </p:cNvPr>
+            <p:cNvCxnSpPr>
+              <a:cxnSpLocks/>
+            </p:cNvCxnSpPr>
+            <p:nvPr/>
+          </p:nvCxnSpPr>
+          <p:spPr>
+            <a:xfrm>
+              <a:off x="6019801" y="1638552"/>
+              <a:ext cx="376088" cy="1"/>
+            </a:xfrm>
+            <a:prstGeom prst="straightConnector1">
+              <a:avLst/>
+            </a:prstGeom>
+            <a:ln w="19050" cap="rnd">
+              <a:round/>
+              <a:tailEnd type="triangle"/>
+            </a:ln>
+          </p:spPr>
+          <p:style>
+            <a:lnRef idx="1">
+              <a:schemeClr val="accent1"/>
+            </a:lnRef>
+            <a:fillRef idx="0">
+              <a:schemeClr val="accent1"/>
+            </a:fillRef>
+            <a:effectRef idx="0">
+              <a:schemeClr val="accent1"/>
+            </a:effectRef>
+            <a:fontRef idx="minor">
+              <a:schemeClr val="tx1"/>
+            </a:fontRef>
+          </p:style>
+        </p:cxnSp>
+      </p:grpSp>
+      <p:cxnSp>
+        <p:nvCxnSpPr>
+          <p:cNvPr id="21" name="Straight Arrow Connector 20">
+            <a:extLst>
+              <a:ext uri="{FF2B5EF4-FFF2-40B4-BE49-F238E27FC236}">
+                <a16:creationId xmlns:a16="http://schemas.microsoft.com/office/drawing/2014/main" id="{104308C7-C76A-4C9B-90CB-786B12BFAD3D}"/>
+              </a:ext>
+            </a:extLst>
+          </p:cNvPr>
+          <p:cNvCxnSpPr>
+            <a:cxnSpLocks/>
+          </p:cNvCxnSpPr>
+          <p:nvPr/>
+        </p:nvCxnSpPr>
+        <p:spPr>
+          <a:xfrm>
+            <a:off x="5632871" y="3134442"/>
+            <a:ext cx="378213" cy="2"/>
+          </a:xfrm>
+          <a:prstGeom prst="straightConnector1">
+            <a:avLst/>
+          </a:prstGeom>
+          <a:ln w="19050" cap="rnd">
+            <a:round/>
+            <a:tailEnd type="triangle"/>
+          </a:ln>
+        </p:spPr>
+        <p:style>
+          <a:lnRef idx="1">
+            <a:schemeClr val="accent1"/>
+          </a:lnRef>
+          <a:fillRef idx="0">
+            <a:schemeClr val="accent1"/>
+          </a:fillRef>
+          <a:effectRef idx="0">
+            <a:schemeClr val="accent1"/>
+          </a:effectRef>
+          <a:fontRef idx="minor">
+            <a:schemeClr val="tx1"/>
+          </a:fontRef>
+        </p:style>
+      </p:cxnSp>
+      <p:sp>
+        <p:nvSpPr>
+          <p:cNvPr id="22" name="TextBox 21">
+            <a:extLst>
+              <a:ext uri="{FF2B5EF4-FFF2-40B4-BE49-F238E27FC236}">
+                <a16:creationId xmlns:a16="http://schemas.microsoft.com/office/drawing/2014/main" id="{EDEA83BA-8BE6-4303-958E-0CB15514D648}"/>
+              </a:ext>
+            </a:extLst>
+          </p:cNvPr>
+          <p:cNvSpPr txBox="1"/>
+          <p:nvPr/>
+        </p:nvSpPr>
+        <p:spPr>
+          <a:xfrm>
+            <a:off x="6058082" y="2965871"/>
+            <a:ext cx="2299339" cy="307777"/>
+          </a:xfrm>
+          <a:prstGeom prst="rect">
+            <a:avLst/>
+          </a:prstGeom>
+          <a:noFill/>
+        </p:spPr>
+        <p:txBody>
+          <a:bodyPr wrap="square" rtlCol="0">
+            <a:spAutoFit/>
+          </a:bodyPr>
+          <a:lstStyle/>
+          <a:p>
+            <a:r>
+              <a:rPr lang="en-US" sz="1400" b="1" dirty="0">
+                <a:solidFill>
+                  <a:schemeClr val="tx2"/>
+                </a:solidFill>
+              </a:rPr>
+              <a:t>config-yast-autoyast.xml</a:t>
+            </a:r>
+          </a:p>
+        </p:txBody>
+      </p:sp>
+      <p:cxnSp>
+        <p:nvCxnSpPr>
+          <p:cNvPr id="23" name="Straight Arrow Connector 22">
+            <a:extLst>
+              <a:ext uri="{FF2B5EF4-FFF2-40B4-BE49-F238E27FC236}">
+                <a16:creationId xmlns:a16="http://schemas.microsoft.com/office/drawing/2014/main" id="{AD982FDE-4D82-4BD0-9045-F3392CCB20B2}"/>
+              </a:ext>
+            </a:extLst>
+          </p:cNvPr>
+          <p:cNvCxnSpPr>
+            <a:cxnSpLocks/>
+          </p:cNvCxnSpPr>
+          <p:nvPr/>
+        </p:nvCxnSpPr>
+        <p:spPr>
+          <a:xfrm>
+            <a:off x="5635143" y="3477910"/>
+            <a:ext cx="378213" cy="2"/>
+          </a:xfrm>
+          <a:prstGeom prst="straightConnector1">
+            <a:avLst/>
+          </a:prstGeom>
+          <a:ln w="19050" cap="rnd">
+            <a:round/>
+            <a:tailEnd type="triangle"/>
+          </a:ln>
+        </p:spPr>
+        <p:style>
+          <a:lnRef idx="1">
+            <a:schemeClr val="accent1"/>
+          </a:lnRef>
+          <a:fillRef idx="0">
+            <a:schemeClr val="accent1"/>
+          </a:fillRef>
+          <a:effectRef idx="0">
+            <a:schemeClr val="accent1"/>
+          </a:effectRef>
+          <a:fontRef idx="minor">
+            <a:schemeClr val="tx1"/>
+          </a:fontRef>
+        </p:style>
+      </p:cxnSp>
+      <p:sp>
+        <p:nvSpPr>
+          <p:cNvPr id="24" name="TextBox 23">
+            <a:extLst>
+              <a:ext uri="{FF2B5EF4-FFF2-40B4-BE49-F238E27FC236}">
+                <a16:creationId xmlns:a16="http://schemas.microsoft.com/office/drawing/2014/main" id="{B2F88C7F-2346-4576-88A3-06EA3DD185F6}"/>
+              </a:ext>
+            </a:extLst>
+          </p:cNvPr>
+          <p:cNvSpPr txBox="1"/>
+          <p:nvPr/>
+        </p:nvSpPr>
+        <p:spPr>
+          <a:xfrm>
+            <a:off x="6060354" y="3309339"/>
+            <a:ext cx="2299339" cy="307777"/>
+          </a:xfrm>
+          <a:prstGeom prst="rect">
+            <a:avLst/>
+          </a:prstGeom>
+          <a:noFill/>
+        </p:spPr>
+        <p:txBody>
+          <a:bodyPr wrap="square" rtlCol="0">
+            <a:spAutoFit/>
+          </a:bodyPr>
+          <a:lstStyle/>
+          <a:p>
+            <a:r>
+              <a:rPr lang="en-US" sz="1400" b="1" dirty="0">
+                <a:solidFill>
+                  <a:schemeClr val="tx2"/>
+                </a:solidFill>
+              </a:rPr>
+              <a:t>kiwi-hooks.tgz</a:t>
             </a:r>
           </a:p>
         </p:txBody>
@@ -9364,7 +12316,7 @@
     </p:spTree>
     <p:extLst>
       <p:ext uri="{BB962C8B-B14F-4D97-AF65-F5344CB8AC3E}">
-        <p14:creationId xmlns:p14="http://schemas.microsoft.com/office/powerpoint/2010/main" val="363350900"/>
+        <p14:creationId xmlns:p14="http://schemas.microsoft.com/office/powerpoint/2010/main" val="1852037731"/>
       </p:ext>
     </p:extLst>
   </p:cSld>
@@ -9405,7 +12357,13 @@
       </p:grpSpPr>
       <p:sp>
         <p:nvSpPr>
-          <p:cNvPr id="4" name="Title 3"/>
+          <p:cNvPr id="2" name="Title 1">
+            <a:extLst>
+              <a:ext uri="{FF2B5EF4-FFF2-40B4-BE49-F238E27FC236}">
+                <a16:creationId xmlns:a16="http://schemas.microsoft.com/office/drawing/2014/main" id="{B34C4856-EC47-45CB-9121-904CBB520075}"/>
+              </a:ext>
+            </a:extLst>
+          </p:cNvPr>
           <p:cNvSpPr>
             <a:spLocks noGrp="1"/>
           </p:cNvSpPr>
@@ -9413,14 +12371,760 @@
             <p:ph type="title"/>
           </p:nvPr>
         </p:nvSpPr>
-        <p:spPr/>
+        <p:spPr>
+          <a:xfrm>
+            <a:off x="874645" y="342900"/>
+            <a:ext cx="7966145" cy="585787"/>
+          </a:xfrm>
+        </p:spPr>
         <p:txBody>
           <a:bodyPr/>
           <a:lstStyle/>
           <a:p>
             <a:r>
               <a:rPr lang="en-US" dirty="0"/>
-              <a:t>Section Title (28pt)</a:t>
+              <a:t>Customizing a Template</a:t>
+            </a:r>
+          </a:p>
+        </p:txBody>
+      </p:sp>
+      <p:sp>
+        <p:nvSpPr>
+          <p:cNvPr id="3" name="Content Placeholder 2">
+            <a:extLst>
+              <a:ext uri="{FF2B5EF4-FFF2-40B4-BE49-F238E27FC236}">
+                <a16:creationId xmlns:a16="http://schemas.microsoft.com/office/drawing/2014/main" id="{C4DF7C0D-B435-44B5-9893-70987DF99A61}"/>
+              </a:ext>
+            </a:extLst>
+          </p:cNvPr>
+          <p:cNvSpPr>
+            <a:spLocks noGrp="1"/>
+          </p:cNvSpPr>
+          <p:nvPr>
+            <p:ph idx="1"/>
+          </p:nvPr>
+        </p:nvSpPr>
+        <p:spPr>
+          <a:xfrm>
+            <a:off x="874644" y="1127341"/>
+            <a:ext cx="4009205" cy="3783871"/>
+          </a:xfrm>
+        </p:spPr>
+        <p:txBody>
+          <a:bodyPr/>
+          <a:lstStyle/>
+          <a:p>
+            <a:r>
+              <a:rPr lang="en-US" dirty="0"/>
+              <a:t>Image Directory</a:t>
+            </a:r>
+          </a:p>
+          <a:p>
+            <a:pPr marL="285750" indent="-285750">
+              <a:buFont typeface="Arial" panose="020B0604020202020204" pitchFamily="34" charset="0"/>
+              <a:buChar char="•"/>
+            </a:pPr>
+            <a:r>
+              <a:rPr lang="en-US" dirty="0"/>
+              <a:t>Hooks</a:t>
+            </a:r>
+          </a:p>
+          <a:p>
+            <a:pPr marL="400050" lvl="1" indent="-285750"/>
+            <a:r>
+              <a:rPr lang="en-US" dirty="0"/>
+              <a:t>Post Commands</a:t>
+            </a:r>
+          </a:p>
+          <a:p>
+            <a:pPr marL="514350" lvl="2" indent="-285750"/>
+            <a:r>
+              <a:rPr lang="en-US" dirty="0"/>
+              <a:t>Run after hook script executes</a:t>
+            </a:r>
+          </a:p>
+          <a:p>
+            <a:pPr marL="514350" lvl="2" indent="-285750"/>
+            <a:r>
+              <a:rPr lang="en-US" dirty="0"/>
+              <a:t>Specified as kernel parameter</a:t>
+            </a:r>
+          </a:p>
+          <a:p>
+            <a:pPr marL="628650" lvl="3" indent="-285750"/>
+            <a:r>
+              <a:rPr lang="en-US" dirty="0"/>
+              <a:t>KIWI_HOOK_CMD_&lt;</a:t>
+            </a:r>
+            <a:r>
+              <a:rPr lang="en-US" i="1" dirty="0"/>
+              <a:t>hook name&gt;=“”</a:t>
+            </a:r>
+          </a:p>
+          <a:p>
+            <a:pPr marL="628650" lvl="3" indent="-285750"/>
+            <a:r>
+              <a:rPr lang="en-US" dirty="0"/>
+              <a:t>Ex: </a:t>
+            </a:r>
+            <a:r>
+              <a:rPr lang="en-US" dirty="0" err="1"/>
+              <a:t>KIWI_HOOK_CMD_preHWdetect</a:t>
+            </a:r>
+            <a:r>
+              <a:rPr lang="en-US" dirty="0"/>
+              <a:t>=“ls –l”</a:t>
+            </a:r>
+          </a:p>
+          <a:p>
+            <a:pPr marL="514350" lvl="2" indent="-285750"/>
+            <a:r>
+              <a:rPr lang="en-US" dirty="0"/>
+              <a:t>Can be disabled via KIWI_FORBID_HOOK_CMDS=1</a:t>
+            </a:r>
+          </a:p>
+        </p:txBody>
+      </p:sp>
+      <p:grpSp>
+        <p:nvGrpSpPr>
+          <p:cNvPr id="20" name="Group 19">
+            <a:extLst>
+              <a:ext uri="{FF2B5EF4-FFF2-40B4-BE49-F238E27FC236}">
+                <a16:creationId xmlns:a16="http://schemas.microsoft.com/office/drawing/2014/main" id="{1C4DBD49-5873-413B-853C-13DA5A0522DC}"/>
+              </a:ext>
+            </a:extLst>
+          </p:cNvPr>
+          <p:cNvGrpSpPr/>
+          <p:nvPr/>
+        </p:nvGrpSpPr>
+        <p:grpSpPr>
+          <a:xfrm>
+            <a:off x="4933341" y="925461"/>
+            <a:ext cx="3524860" cy="2835378"/>
+            <a:chOff x="5309420" y="1090471"/>
+            <a:chExt cx="3505059" cy="1840748"/>
+          </a:xfrm>
+        </p:grpSpPr>
+        <p:sp>
+          <p:nvSpPr>
+            <p:cNvPr id="19" name="Rectangle: Rounded Corners 18">
+              <a:extLst>
+                <a:ext uri="{FF2B5EF4-FFF2-40B4-BE49-F238E27FC236}">
+                  <a16:creationId xmlns:a16="http://schemas.microsoft.com/office/drawing/2014/main" id="{6C03226B-A3EB-4083-B204-EF1DBEA7E4D7}"/>
+                </a:ext>
+              </a:extLst>
+            </p:cNvPr>
+            <p:cNvSpPr/>
+            <p:nvPr/>
+          </p:nvSpPr>
+          <p:spPr>
+            <a:xfrm>
+              <a:off x="5309420" y="1090471"/>
+              <a:ext cx="3505059" cy="1840748"/>
+            </a:xfrm>
+            <a:prstGeom prst="roundRect">
+              <a:avLst/>
+            </a:prstGeom>
+            <a:solidFill>
+              <a:schemeClr val="accent5"/>
+            </a:solidFill>
+            <a:ln>
+              <a:noFill/>
+            </a:ln>
+          </p:spPr>
+          <p:style>
+            <a:lnRef idx="0">
+              <a:scrgbClr r="0" g="0" b="0"/>
+            </a:lnRef>
+            <a:fillRef idx="0">
+              <a:scrgbClr r="0" g="0" b="0"/>
+            </a:fillRef>
+            <a:effectRef idx="0">
+              <a:scrgbClr r="0" g="0" b="0"/>
+            </a:effectRef>
+            <a:fontRef idx="minor">
+              <a:schemeClr val="lt1"/>
+            </a:fontRef>
+          </p:style>
+          <p:txBody>
+            <a:bodyPr rtlCol="0" anchor="ctr"/>
+            <a:lstStyle/>
+            <a:p>
+              <a:pPr algn="ctr"/>
+              <a:endParaRPr lang="en-US" dirty="0"/>
+            </a:p>
+          </p:txBody>
+        </p:sp>
+        <p:sp>
+          <p:nvSpPr>
+            <p:cNvPr id="4" name="TextBox 3">
+              <a:extLst>
+                <a:ext uri="{FF2B5EF4-FFF2-40B4-BE49-F238E27FC236}">
+                  <a16:creationId xmlns:a16="http://schemas.microsoft.com/office/drawing/2014/main" id="{A5408AE2-9C3F-4F6D-A018-77C5591B260E}"/>
+                </a:ext>
+              </a:extLst>
+            </p:cNvPr>
+            <p:cNvSpPr txBox="1"/>
+            <p:nvPr/>
+          </p:nvSpPr>
+          <p:spPr>
+            <a:xfrm>
+              <a:off x="5589639" y="1155236"/>
+              <a:ext cx="870155" cy="206309"/>
+            </a:xfrm>
+            <a:prstGeom prst="rect">
+              <a:avLst/>
+            </a:prstGeom>
+            <a:noFill/>
+          </p:spPr>
+          <p:txBody>
+            <a:bodyPr wrap="square" rtlCol="0">
+              <a:spAutoFit/>
+            </a:bodyPr>
+            <a:lstStyle/>
+            <a:p>
+              <a:pPr algn="ctr"/>
+              <a:r>
+                <a:rPr lang="en-US" sz="1400" b="1" dirty="0">
+                  <a:solidFill>
+                    <a:schemeClr val="tx2"/>
+                  </a:solidFill>
+                </a:rPr>
+                <a:t>demo</a:t>
+              </a:r>
+            </a:p>
+          </p:txBody>
+        </p:sp>
+        <p:sp>
+          <p:nvSpPr>
+            <p:cNvPr id="5" name="TextBox 4">
+              <a:extLst>
+                <a:ext uri="{FF2B5EF4-FFF2-40B4-BE49-F238E27FC236}">
+                  <a16:creationId xmlns:a16="http://schemas.microsoft.com/office/drawing/2014/main" id="{7343D49F-A98E-4C31-BDA3-3760C97799D6}"/>
+                </a:ext>
+              </a:extLst>
+            </p:cNvPr>
+            <p:cNvSpPr txBox="1"/>
+            <p:nvPr/>
+          </p:nvSpPr>
+          <p:spPr>
+            <a:xfrm>
+              <a:off x="6435213" y="1521808"/>
+              <a:ext cx="1211826" cy="307777"/>
+            </a:xfrm>
+            <a:prstGeom prst="rect">
+              <a:avLst/>
+            </a:prstGeom>
+            <a:noFill/>
+          </p:spPr>
+          <p:txBody>
+            <a:bodyPr wrap="square" rtlCol="0">
+              <a:spAutoFit/>
+            </a:bodyPr>
+            <a:lstStyle/>
+            <a:p>
+              <a:r>
+                <a:rPr lang="en-US" sz="1400" b="1" dirty="0" err="1">
+                  <a:solidFill>
+                    <a:schemeClr val="tx2"/>
+                  </a:solidFill>
+                </a:rPr>
+                <a:t>demo.kiwi</a:t>
+              </a:r>
+              <a:endParaRPr lang="en-US" sz="1400" b="1" dirty="0">
+                <a:solidFill>
+                  <a:schemeClr val="tx2"/>
+                </a:solidFill>
+              </a:endParaRPr>
+            </a:p>
+          </p:txBody>
+        </p:sp>
+        <p:sp>
+          <p:nvSpPr>
+            <p:cNvPr id="6" name="TextBox 5">
+              <a:extLst>
+                <a:ext uri="{FF2B5EF4-FFF2-40B4-BE49-F238E27FC236}">
+                  <a16:creationId xmlns:a16="http://schemas.microsoft.com/office/drawing/2014/main" id="{3F0DCD87-1335-471F-8D11-26CF4D974331}"/>
+                </a:ext>
+              </a:extLst>
+            </p:cNvPr>
+            <p:cNvSpPr txBox="1"/>
+            <p:nvPr/>
+          </p:nvSpPr>
+          <p:spPr>
+            <a:xfrm>
+              <a:off x="6432758" y="1755327"/>
+              <a:ext cx="1211826" cy="307777"/>
+            </a:xfrm>
+            <a:prstGeom prst="rect">
+              <a:avLst/>
+            </a:prstGeom>
+            <a:noFill/>
+          </p:spPr>
+          <p:txBody>
+            <a:bodyPr wrap="square" rtlCol="0">
+              <a:spAutoFit/>
+            </a:bodyPr>
+            <a:lstStyle/>
+            <a:p>
+              <a:r>
+                <a:rPr lang="en-US" sz="1400" b="1" dirty="0">
+                  <a:solidFill>
+                    <a:schemeClr val="tx2"/>
+                  </a:solidFill>
+                </a:rPr>
+                <a:t>root</a:t>
+              </a:r>
+            </a:p>
+          </p:txBody>
+        </p:sp>
+        <p:sp>
+          <p:nvSpPr>
+            <p:cNvPr id="7" name="TextBox 6">
+              <a:extLst>
+                <a:ext uri="{FF2B5EF4-FFF2-40B4-BE49-F238E27FC236}">
+                  <a16:creationId xmlns:a16="http://schemas.microsoft.com/office/drawing/2014/main" id="{7137D407-73A0-4865-A1BD-207C6CC86314}"/>
+                </a:ext>
+              </a:extLst>
+            </p:cNvPr>
+            <p:cNvSpPr txBox="1"/>
+            <p:nvPr/>
+          </p:nvSpPr>
+          <p:spPr>
+            <a:xfrm>
+              <a:off x="6430302" y="1988840"/>
+              <a:ext cx="1211826" cy="307777"/>
+            </a:xfrm>
+            <a:prstGeom prst="rect">
+              <a:avLst/>
+            </a:prstGeom>
+            <a:noFill/>
+          </p:spPr>
+          <p:txBody>
+            <a:bodyPr wrap="square" rtlCol="0">
+              <a:spAutoFit/>
+            </a:bodyPr>
+            <a:lstStyle/>
+            <a:p>
+              <a:r>
+                <a:rPr lang="en-US" sz="1400" b="1" dirty="0">
+                  <a:solidFill>
+                    <a:schemeClr val="tx2"/>
+                  </a:solidFill>
+                </a:rPr>
+                <a:t>config.sh</a:t>
+              </a:r>
+            </a:p>
+          </p:txBody>
+        </p:sp>
+        <p:sp>
+          <p:nvSpPr>
+            <p:cNvPr id="8" name="TextBox 7">
+              <a:extLst>
+                <a:ext uri="{FF2B5EF4-FFF2-40B4-BE49-F238E27FC236}">
+                  <a16:creationId xmlns:a16="http://schemas.microsoft.com/office/drawing/2014/main" id="{AD54E37B-DAC1-4006-A189-45C9DA4AB4B9}"/>
+                </a:ext>
+              </a:extLst>
+            </p:cNvPr>
+            <p:cNvSpPr txBox="1"/>
+            <p:nvPr/>
+          </p:nvSpPr>
+          <p:spPr>
+            <a:xfrm>
+              <a:off x="6427843" y="2214980"/>
+              <a:ext cx="1211826" cy="307777"/>
+            </a:xfrm>
+            <a:prstGeom prst="rect">
+              <a:avLst/>
+            </a:prstGeom>
+            <a:noFill/>
+          </p:spPr>
+          <p:txBody>
+            <a:bodyPr wrap="square" rtlCol="0">
+              <a:spAutoFit/>
+            </a:bodyPr>
+            <a:lstStyle/>
+            <a:p>
+              <a:r>
+                <a:rPr lang="en-US" sz="1400" b="1" dirty="0">
+                  <a:solidFill>
+                    <a:schemeClr val="tx2"/>
+                  </a:solidFill>
+                </a:rPr>
+                <a:t>image</a:t>
+              </a:r>
+            </a:p>
+          </p:txBody>
+        </p:sp>
+        <p:cxnSp>
+          <p:nvCxnSpPr>
+            <p:cNvPr id="10" name="Straight Connector 9">
+              <a:extLst>
+                <a:ext uri="{FF2B5EF4-FFF2-40B4-BE49-F238E27FC236}">
+                  <a16:creationId xmlns:a16="http://schemas.microsoft.com/office/drawing/2014/main" id="{D88ED43F-6677-4C80-8E63-D6F43BB4A846}"/>
+                </a:ext>
+              </a:extLst>
+            </p:cNvPr>
+            <p:cNvCxnSpPr>
+              <a:cxnSpLocks/>
+              <a:stCxn id="4" idx="2"/>
+            </p:cNvCxnSpPr>
+            <p:nvPr/>
+          </p:nvCxnSpPr>
+          <p:spPr>
+            <a:xfrm flipH="1">
+              <a:off x="6005020" y="1361545"/>
+              <a:ext cx="19697" cy="1385995"/>
+            </a:xfrm>
+            <a:prstGeom prst="line">
+              <a:avLst/>
+            </a:prstGeom>
+            <a:ln w="19050" cap="rnd">
+              <a:round/>
+            </a:ln>
+          </p:spPr>
+          <p:style>
+            <a:lnRef idx="1">
+              <a:schemeClr val="accent1"/>
+            </a:lnRef>
+            <a:fillRef idx="0">
+              <a:schemeClr val="accent1"/>
+            </a:fillRef>
+            <a:effectRef idx="0">
+              <a:schemeClr val="accent1"/>
+            </a:effectRef>
+            <a:fontRef idx="minor">
+              <a:schemeClr val="tx1"/>
+            </a:fontRef>
+          </p:style>
+        </p:cxnSp>
+        <p:cxnSp>
+          <p:nvCxnSpPr>
+            <p:cNvPr id="15" name="Straight Arrow Connector 14">
+              <a:extLst>
+                <a:ext uri="{FF2B5EF4-FFF2-40B4-BE49-F238E27FC236}">
+                  <a16:creationId xmlns:a16="http://schemas.microsoft.com/office/drawing/2014/main" id="{67AB2946-6B5D-49E8-99D4-A62D8F56C140}"/>
+                </a:ext>
+              </a:extLst>
+            </p:cNvPr>
+            <p:cNvCxnSpPr>
+              <a:cxnSpLocks/>
+            </p:cNvCxnSpPr>
+            <p:nvPr/>
+          </p:nvCxnSpPr>
+          <p:spPr>
+            <a:xfrm>
+              <a:off x="6007470" y="2319438"/>
+              <a:ext cx="376088" cy="1"/>
+            </a:xfrm>
+            <a:prstGeom prst="straightConnector1">
+              <a:avLst/>
+            </a:prstGeom>
+            <a:ln w="19050" cap="rnd">
+              <a:round/>
+              <a:tailEnd type="triangle"/>
+            </a:ln>
+          </p:spPr>
+          <p:style>
+            <a:lnRef idx="1">
+              <a:schemeClr val="accent1"/>
+            </a:lnRef>
+            <a:fillRef idx="0">
+              <a:schemeClr val="accent1"/>
+            </a:fillRef>
+            <a:effectRef idx="0">
+              <a:schemeClr val="accent1"/>
+            </a:effectRef>
+            <a:fontRef idx="minor">
+              <a:schemeClr val="tx1"/>
+            </a:fontRef>
+          </p:style>
+        </p:cxnSp>
+        <p:cxnSp>
+          <p:nvCxnSpPr>
+            <p:cNvPr id="16" name="Straight Arrow Connector 15">
+              <a:extLst>
+                <a:ext uri="{FF2B5EF4-FFF2-40B4-BE49-F238E27FC236}">
+                  <a16:creationId xmlns:a16="http://schemas.microsoft.com/office/drawing/2014/main" id="{214EA947-67CC-408F-8429-4E140F09235B}"/>
+                </a:ext>
+              </a:extLst>
+            </p:cNvPr>
+            <p:cNvCxnSpPr>
+              <a:cxnSpLocks/>
+            </p:cNvCxnSpPr>
+            <p:nvPr/>
+          </p:nvCxnSpPr>
+          <p:spPr>
+            <a:xfrm>
+              <a:off x="6012431" y="2103132"/>
+              <a:ext cx="368712" cy="0"/>
+            </a:xfrm>
+            <a:prstGeom prst="straightConnector1">
+              <a:avLst/>
+            </a:prstGeom>
+            <a:ln w="19050" cap="rnd">
+              <a:round/>
+              <a:tailEnd type="triangle"/>
+            </a:ln>
+          </p:spPr>
+          <p:style>
+            <a:lnRef idx="1">
+              <a:schemeClr val="accent1"/>
+            </a:lnRef>
+            <a:fillRef idx="0">
+              <a:schemeClr val="accent1"/>
+            </a:fillRef>
+            <a:effectRef idx="0">
+              <a:schemeClr val="accent1"/>
+            </a:effectRef>
+            <a:fontRef idx="minor">
+              <a:schemeClr val="tx1"/>
+            </a:fontRef>
+          </p:style>
+        </p:cxnSp>
+        <p:cxnSp>
+          <p:nvCxnSpPr>
+            <p:cNvPr id="17" name="Straight Arrow Connector 16">
+              <a:extLst>
+                <a:ext uri="{FF2B5EF4-FFF2-40B4-BE49-F238E27FC236}">
+                  <a16:creationId xmlns:a16="http://schemas.microsoft.com/office/drawing/2014/main" id="{A6C7419D-18D0-4671-ACAF-A406BE215EBC}"/>
+                </a:ext>
+              </a:extLst>
+            </p:cNvPr>
+            <p:cNvCxnSpPr>
+              <a:cxnSpLocks/>
+            </p:cNvCxnSpPr>
+            <p:nvPr/>
+          </p:nvCxnSpPr>
+          <p:spPr>
+            <a:xfrm>
+              <a:off x="6012431" y="1874531"/>
+              <a:ext cx="376088" cy="1"/>
+            </a:xfrm>
+            <a:prstGeom prst="straightConnector1">
+              <a:avLst/>
+            </a:prstGeom>
+            <a:ln w="19050" cap="rnd">
+              <a:round/>
+              <a:tailEnd type="triangle"/>
+            </a:ln>
+          </p:spPr>
+          <p:style>
+            <a:lnRef idx="1">
+              <a:schemeClr val="accent1"/>
+            </a:lnRef>
+            <a:fillRef idx="0">
+              <a:schemeClr val="accent1"/>
+            </a:fillRef>
+            <a:effectRef idx="0">
+              <a:schemeClr val="accent1"/>
+            </a:effectRef>
+            <a:fontRef idx="minor">
+              <a:schemeClr val="tx1"/>
+            </a:fontRef>
+          </p:style>
+        </p:cxnSp>
+        <p:cxnSp>
+          <p:nvCxnSpPr>
+            <p:cNvPr id="18" name="Straight Arrow Connector 17">
+              <a:extLst>
+                <a:ext uri="{FF2B5EF4-FFF2-40B4-BE49-F238E27FC236}">
+                  <a16:creationId xmlns:a16="http://schemas.microsoft.com/office/drawing/2014/main" id="{7B5696BD-8D9C-4FB1-A7CF-2EDC5C594F53}"/>
+                </a:ext>
+              </a:extLst>
+            </p:cNvPr>
+            <p:cNvCxnSpPr>
+              <a:cxnSpLocks/>
+            </p:cNvCxnSpPr>
+            <p:nvPr/>
+          </p:nvCxnSpPr>
+          <p:spPr>
+            <a:xfrm>
+              <a:off x="6019801" y="1638552"/>
+              <a:ext cx="376088" cy="1"/>
+            </a:xfrm>
+            <a:prstGeom prst="straightConnector1">
+              <a:avLst/>
+            </a:prstGeom>
+            <a:ln w="19050" cap="rnd">
+              <a:round/>
+              <a:tailEnd type="triangle"/>
+            </a:ln>
+          </p:spPr>
+          <p:style>
+            <a:lnRef idx="1">
+              <a:schemeClr val="accent1"/>
+            </a:lnRef>
+            <a:fillRef idx="0">
+              <a:schemeClr val="accent1"/>
+            </a:fillRef>
+            <a:effectRef idx="0">
+              <a:schemeClr val="accent1"/>
+            </a:effectRef>
+            <a:fontRef idx="minor">
+              <a:schemeClr val="tx1"/>
+            </a:fontRef>
+          </p:style>
+        </p:cxnSp>
+      </p:grpSp>
+      <p:cxnSp>
+        <p:nvCxnSpPr>
+          <p:cNvPr id="21" name="Straight Arrow Connector 20">
+            <a:extLst>
+              <a:ext uri="{FF2B5EF4-FFF2-40B4-BE49-F238E27FC236}">
+                <a16:creationId xmlns:a16="http://schemas.microsoft.com/office/drawing/2014/main" id="{104308C7-C76A-4C9B-90CB-786B12BFAD3D}"/>
+              </a:ext>
+            </a:extLst>
+          </p:cNvPr>
+          <p:cNvCxnSpPr>
+            <a:cxnSpLocks/>
+          </p:cNvCxnSpPr>
+          <p:nvPr/>
+        </p:nvCxnSpPr>
+        <p:spPr>
+          <a:xfrm>
+            <a:off x="5632871" y="3134442"/>
+            <a:ext cx="378213" cy="2"/>
+          </a:xfrm>
+          <a:prstGeom prst="straightConnector1">
+            <a:avLst/>
+          </a:prstGeom>
+          <a:ln w="19050" cap="rnd">
+            <a:round/>
+            <a:tailEnd type="triangle"/>
+          </a:ln>
+        </p:spPr>
+        <p:style>
+          <a:lnRef idx="1">
+            <a:schemeClr val="accent1"/>
+          </a:lnRef>
+          <a:fillRef idx="0">
+            <a:schemeClr val="accent1"/>
+          </a:fillRef>
+          <a:effectRef idx="0">
+            <a:schemeClr val="accent1"/>
+          </a:effectRef>
+          <a:fontRef idx="minor">
+            <a:schemeClr val="tx1"/>
+          </a:fontRef>
+        </p:style>
+      </p:cxnSp>
+      <p:sp>
+        <p:nvSpPr>
+          <p:cNvPr id="22" name="TextBox 21">
+            <a:extLst>
+              <a:ext uri="{FF2B5EF4-FFF2-40B4-BE49-F238E27FC236}">
+                <a16:creationId xmlns:a16="http://schemas.microsoft.com/office/drawing/2014/main" id="{EDEA83BA-8BE6-4303-958E-0CB15514D648}"/>
+              </a:ext>
+            </a:extLst>
+          </p:cNvPr>
+          <p:cNvSpPr txBox="1"/>
+          <p:nvPr/>
+        </p:nvSpPr>
+        <p:spPr>
+          <a:xfrm>
+            <a:off x="6058082" y="2965871"/>
+            <a:ext cx="2299339" cy="307777"/>
+          </a:xfrm>
+          <a:prstGeom prst="rect">
+            <a:avLst/>
+          </a:prstGeom>
+          <a:noFill/>
+        </p:spPr>
+        <p:txBody>
+          <a:bodyPr wrap="square" rtlCol="0">
+            <a:spAutoFit/>
+          </a:bodyPr>
+          <a:lstStyle/>
+          <a:p>
+            <a:r>
+              <a:rPr lang="en-US" sz="1400" b="1" dirty="0">
+                <a:solidFill>
+                  <a:schemeClr val="tx2"/>
+                </a:solidFill>
+              </a:rPr>
+              <a:t>config-yast-autoyast.xml</a:t>
+            </a:r>
+          </a:p>
+        </p:txBody>
+      </p:sp>
+      <p:cxnSp>
+        <p:nvCxnSpPr>
+          <p:cNvPr id="23" name="Straight Arrow Connector 22">
+            <a:extLst>
+              <a:ext uri="{FF2B5EF4-FFF2-40B4-BE49-F238E27FC236}">
+                <a16:creationId xmlns:a16="http://schemas.microsoft.com/office/drawing/2014/main" id="{AD982FDE-4D82-4BD0-9045-F3392CCB20B2}"/>
+              </a:ext>
+            </a:extLst>
+          </p:cNvPr>
+          <p:cNvCxnSpPr>
+            <a:cxnSpLocks/>
+          </p:cNvCxnSpPr>
+          <p:nvPr/>
+        </p:nvCxnSpPr>
+        <p:spPr>
+          <a:xfrm>
+            <a:off x="5635143" y="3477910"/>
+            <a:ext cx="378213" cy="2"/>
+          </a:xfrm>
+          <a:prstGeom prst="straightConnector1">
+            <a:avLst/>
+          </a:prstGeom>
+          <a:ln w="19050" cap="rnd">
+            <a:round/>
+            <a:tailEnd type="triangle"/>
+          </a:ln>
+        </p:spPr>
+        <p:style>
+          <a:lnRef idx="1">
+            <a:schemeClr val="accent1"/>
+          </a:lnRef>
+          <a:fillRef idx="0">
+            <a:schemeClr val="accent1"/>
+          </a:fillRef>
+          <a:effectRef idx="0">
+            <a:schemeClr val="accent1"/>
+          </a:effectRef>
+          <a:fontRef idx="minor">
+            <a:schemeClr val="tx1"/>
+          </a:fontRef>
+        </p:style>
+      </p:cxnSp>
+      <p:sp>
+        <p:nvSpPr>
+          <p:cNvPr id="24" name="TextBox 23">
+            <a:extLst>
+              <a:ext uri="{FF2B5EF4-FFF2-40B4-BE49-F238E27FC236}">
+                <a16:creationId xmlns:a16="http://schemas.microsoft.com/office/drawing/2014/main" id="{B2F88C7F-2346-4576-88A3-06EA3DD185F6}"/>
+              </a:ext>
+            </a:extLst>
+          </p:cNvPr>
+          <p:cNvSpPr txBox="1"/>
+          <p:nvPr/>
+        </p:nvSpPr>
+        <p:spPr>
+          <a:xfrm>
+            <a:off x="6060354" y="3309339"/>
+            <a:ext cx="2299339" cy="307777"/>
+          </a:xfrm>
+          <a:prstGeom prst="rect">
+            <a:avLst/>
+          </a:prstGeom>
+          <a:noFill/>
+        </p:spPr>
+        <p:txBody>
+          <a:bodyPr wrap="square" rtlCol="0">
+            <a:spAutoFit/>
+          </a:bodyPr>
+          <a:lstStyle/>
+          <a:p>
+            <a:r>
+              <a:rPr lang="en-US" sz="1400" b="1" dirty="0">
+                <a:solidFill>
+                  <a:schemeClr val="tx2"/>
+                </a:solidFill>
+              </a:rPr>
+              <a:t>kiwi-hooks.tgz</a:t>
             </a:r>
           </a:p>
         </p:txBody>
@@ -9428,7 +13132,7 @@
     </p:spTree>
     <p:extLst>
       <p:ext uri="{BB962C8B-B14F-4D97-AF65-F5344CB8AC3E}">
-        <p14:creationId xmlns:p14="http://schemas.microsoft.com/office/powerpoint/2010/main" val="2631931320"/>
+        <p14:creationId xmlns:p14="http://schemas.microsoft.com/office/powerpoint/2010/main" val="2701732390"/>
       </p:ext>
     </p:extLst>
   </p:cSld>
@@ -9469,6 +13173,429 @@
       </p:grpSpPr>
       <p:sp>
         <p:nvSpPr>
+          <p:cNvPr id="7" name="Title 6">
+            <a:extLst>
+              <a:ext uri="{FF2B5EF4-FFF2-40B4-BE49-F238E27FC236}">
+                <a16:creationId xmlns:a16="http://schemas.microsoft.com/office/drawing/2014/main" id="{62D0F790-6440-42A8-A330-C89B33C1719F}"/>
+              </a:ext>
+            </a:extLst>
+          </p:cNvPr>
+          <p:cNvSpPr>
+            <a:spLocks noGrp="1"/>
+          </p:cNvSpPr>
+          <p:nvPr>
+            <p:ph type="title"/>
+          </p:nvPr>
+        </p:nvSpPr>
+        <p:spPr/>
+        <p:txBody>
+          <a:bodyPr/>
+          <a:lstStyle/>
+          <a:p>
+            <a:r>
+              <a:rPr lang="en-US" dirty="0"/>
+              <a:t>Expanding Your Options</a:t>
+            </a:r>
+          </a:p>
+        </p:txBody>
+      </p:sp>
+      <p:sp>
+        <p:nvSpPr>
+          <p:cNvPr id="9" name="Text Placeholder 8">
+            <a:extLst>
+              <a:ext uri="{FF2B5EF4-FFF2-40B4-BE49-F238E27FC236}">
+                <a16:creationId xmlns:a16="http://schemas.microsoft.com/office/drawing/2014/main" id="{567F9572-2C24-4E0E-BB2D-CB3B57A4CED8}"/>
+              </a:ext>
+            </a:extLst>
+          </p:cNvPr>
+          <p:cNvSpPr>
+            <a:spLocks noGrp="1"/>
+          </p:cNvSpPr>
+          <p:nvPr>
+            <p:ph type="body" sz="quarter" idx="13"/>
+          </p:nvPr>
+        </p:nvSpPr>
+        <p:spPr/>
+        <p:txBody>
+          <a:bodyPr/>
+          <a:lstStyle/>
+          <a:p>
+            <a:r>
+              <a:rPr lang="en-US" dirty="0"/>
+              <a:t>Profiles</a:t>
+            </a:r>
+          </a:p>
+        </p:txBody>
+      </p:sp>
+      <p:sp>
+        <p:nvSpPr>
+          <p:cNvPr id="8" name="Content Placeholder 7">
+            <a:extLst>
+              <a:ext uri="{FF2B5EF4-FFF2-40B4-BE49-F238E27FC236}">
+                <a16:creationId xmlns:a16="http://schemas.microsoft.com/office/drawing/2014/main" id="{C12052F9-E2BB-4E01-8D31-505A02101D98}"/>
+              </a:ext>
+            </a:extLst>
+          </p:cNvPr>
+          <p:cNvSpPr>
+            <a:spLocks noGrp="1"/>
+          </p:cNvSpPr>
+          <p:nvPr>
+            <p:ph idx="1"/>
+          </p:nvPr>
+        </p:nvSpPr>
+        <p:spPr>
+          <a:xfrm>
+            <a:off x="874644" y="1480457"/>
+            <a:ext cx="7966144" cy="1012020"/>
+          </a:xfrm>
+        </p:spPr>
+        <p:txBody>
+          <a:bodyPr/>
+          <a:lstStyle/>
+          <a:p>
+            <a:r>
+              <a:rPr lang="en-US" dirty="0"/>
+              <a:t>Maintain multiple image types in a single image definition while allowing for variation in packages, drivers, and preferences for specific image types</a:t>
+            </a:r>
+          </a:p>
+        </p:txBody>
+      </p:sp>
+      <p:sp>
+        <p:nvSpPr>
+          <p:cNvPr id="10" name="Rectangle 9">
+            <a:extLst>
+              <a:ext uri="{FF2B5EF4-FFF2-40B4-BE49-F238E27FC236}">
+                <a16:creationId xmlns:a16="http://schemas.microsoft.com/office/drawing/2014/main" id="{8EBF544F-2BBC-49F7-A602-6E373857FCC2}"/>
+              </a:ext>
+            </a:extLst>
+          </p:cNvPr>
+          <p:cNvSpPr/>
+          <p:nvPr/>
+        </p:nvSpPr>
+        <p:spPr>
+          <a:xfrm>
+            <a:off x="678426" y="2875933"/>
+            <a:ext cx="3797709" cy="1533832"/>
+          </a:xfrm>
+          <a:prstGeom prst="rect">
+            <a:avLst/>
+          </a:prstGeom>
+          <a:solidFill>
+            <a:schemeClr val="accent6"/>
+          </a:solidFill>
+          <a:ln>
+            <a:noFill/>
+          </a:ln>
+        </p:spPr>
+        <p:style>
+          <a:lnRef idx="0">
+            <a:scrgbClr r="0" g="0" b="0"/>
+          </a:lnRef>
+          <a:fillRef idx="0">
+            <a:scrgbClr r="0" g="0" b="0"/>
+          </a:fillRef>
+          <a:effectRef idx="0">
+            <a:scrgbClr r="0" g="0" b="0"/>
+          </a:effectRef>
+          <a:fontRef idx="minor">
+            <a:schemeClr val="lt1"/>
+          </a:fontRef>
+        </p:style>
+        <p:txBody>
+          <a:bodyPr rot="0" spcFirstLastPara="0" vertOverflow="overflow" horzOverflow="overflow" vert="horz" wrap="square" lIns="91440" tIns="45720" rIns="91440" bIns="45720" numCol="1" spcCol="0" rtlCol="0" fromWordArt="0" anchor="ctr" anchorCtr="0" forceAA="0" compatLnSpc="1">
+            <a:prstTxWarp prst="textNoShape">
+              <a:avLst/>
+            </a:prstTxWarp>
+            <a:noAutofit/>
+          </a:bodyPr>
+          <a:lstStyle/>
+          <a:p>
+            <a:r>
+              <a:rPr lang="en-US" dirty="0">
+                <a:ln w="0"/>
+                <a:solidFill>
+                  <a:schemeClr val="bg1"/>
+                </a:solidFill>
+                <a:effectLst>
+                  <a:outerShdw blurRad="38100" dist="19050" dir="2700000" algn="tl" rotWithShape="0">
+                    <a:schemeClr val="dk1">
+                      <a:alpha val="40000"/>
+                    </a:schemeClr>
+                  </a:outerShdw>
+                </a:effectLst>
+              </a:rPr>
+              <a:t>&lt;profiles&gt;</a:t>
+            </a:r>
+          </a:p>
+          <a:p>
+            <a:r>
+              <a:rPr lang="en-US" dirty="0">
+                <a:ln w="0"/>
+                <a:solidFill>
+                  <a:schemeClr val="bg1"/>
+                </a:solidFill>
+                <a:effectLst>
+                  <a:outerShdw blurRad="38100" dist="19050" dir="2700000" algn="tl" rotWithShape="0">
+                    <a:schemeClr val="dk1">
+                      <a:alpha val="40000"/>
+                    </a:schemeClr>
+                  </a:outerShdw>
+                </a:effectLst>
+              </a:rPr>
+              <a:t>   &lt;profile name="name" description="text"/&gt;</a:t>
+            </a:r>
+          </a:p>
+          <a:p>
+            <a:r>
+              <a:rPr lang="en-US" dirty="0">
+                <a:ln w="0"/>
+                <a:solidFill>
+                  <a:schemeClr val="bg1"/>
+                </a:solidFill>
+                <a:effectLst>
+                  <a:outerShdw blurRad="38100" dist="19050" dir="2700000" algn="tl" rotWithShape="0">
+                    <a:schemeClr val="dk1">
+                      <a:alpha val="40000"/>
+                    </a:schemeClr>
+                  </a:outerShdw>
+                </a:effectLst>
+              </a:rPr>
+              <a:t>   &lt;!-- ... --&gt;</a:t>
+            </a:r>
+          </a:p>
+          <a:p>
+            <a:r>
+              <a:rPr lang="en-US" dirty="0">
+                <a:ln w="0"/>
+                <a:solidFill>
+                  <a:schemeClr val="bg1"/>
+                </a:solidFill>
+                <a:effectLst>
+                  <a:outerShdw blurRad="38100" dist="19050" dir="2700000" algn="tl" rotWithShape="0">
+                    <a:schemeClr val="dk1">
+                      <a:alpha val="40000"/>
+                    </a:schemeClr>
+                  </a:outerShdw>
+                </a:effectLst>
+              </a:rPr>
+              <a:t>&lt;/profiles&gt;</a:t>
+            </a:r>
+          </a:p>
+        </p:txBody>
+      </p:sp>
+      <p:sp>
+        <p:nvSpPr>
+          <p:cNvPr id="13" name="Rectangle 12">
+            <a:extLst>
+              <a:ext uri="{FF2B5EF4-FFF2-40B4-BE49-F238E27FC236}">
+                <a16:creationId xmlns:a16="http://schemas.microsoft.com/office/drawing/2014/main" id="{41730859-CEB4-42E9-A05D-B57C2FE4EA29}"/>
+              </a:ext>
+            </a:extLst>
+          </p:cNvPr>
+          <p:cNvSpPr/>
+          <p:nvPr/>
+        </p:nvSpPr>
+        <p:spPr>
+          <a:xfrm>
+            <a:off x="5023860" y="2873479"/>
+            <a:ext cx="3816925" cy="1533832"/>
+          </a:xfrm>
+          <a:prstGeom prst="rect">
+            <a:avLst/>
+          </a:prstGeom>
+          <a:solidFill>
+            <a:schemeClr val="accent6"/>
+          </a:solidFill>
+          <a:ln>
+            <a:noFill/>
+          </a:ln>
+        </p:spPr>
+        <p:style>
+          <a:lnRef idx="0">
+            <a:scrgbClr r="0" g="0" b="0"/>
+          </a:lnRef>
+          <a:fillRef idx="0">
+            <a:scrgbClr r="0" g="0" b="0"/>
+          </a:fillRef>
+          <a:effectRef idx="0">
+            <a:scrgbClr r="0" g="0" b="0"/>
+          </a:effectRef>
+          <a:fontRef idx="minor">
+            <a:schemeClr val="lt1"/>
+          </a:fontRef>
+        </p:style>
+        <p:txBody>
+          <a:bodyPr rot="0" spcFirstLastPara="0" vertOverflow="overflow" horzOverflow="overflow" vert="horz" wrap="square" lIns="91440" tIns="45720" rIns="91440" bIns="45720" numCol="1" spcCol="0" rtlCol="0" fromWordArt="0" anchor="ctr" anchorCtr="0" forceAA="0" compatLnSpc="1">
+            <a:prstTxWarp prst="textNoShape">
+              <a:avLst/>
+            </a:prstTxWarp>
+            <a:noAutofit/>
+          </a:bodyPr>
+          <a:lstStyle/>
+          <a:p>
+            <a:r>
+              <a:rPr lang="en-US" dirty="0">
+                <a:ln w="0"/>
+                <a:solidFill>
+                  <a:schemeClr val="bg1"/>
+                </a:solidFill>
+                <a:effectLst>
+                  <a:outerShdw blurRad="38100" dist="19050" dir="2700000" algn="tl" rotWithShape="0">
+                    <a:schemeClr val="dk1">
+                      <a:alpha val="40000"/>
+                    </a:schemeClr>
+                  </a:outerShdw>
+                </a:effectLst>
+              </a:rPr>
+              <a:t> &lt;packages type="image" profiles="</a:t>
+            </a:r>
+            <a:r>
+              <a:rPr lang="en-US" dirty="0" err="1">
+                <a:ln w="0"/>
+                <a:solidFill>
+                  <a:schemeClr val="bg1"/>
+                </a:solidFill>
+                <a:effectLst>
+                  <a:outerShdw blurRad="38100" dist="19050" dir="2700000" algn="tl" rotWithShape="0">
+                    <a:schemeClr val="dk1">
+                      <a:alpha val="40000"/>
+                    </a:schemeClr>
+                  </a:outerShdw>
+                </a:effectLst>
+              </a:rPr>
+              <a:t>vmware</a:t>
+            </a:r>
+            <a:r>
+              <a:rPr lang="en-US" dirty="0">
+                <a:ln w="0"/>
+                <a:solidFill>
+                  <a:schemeClr val="bg1"/>
+                </a:solidFill>
+                <a:effectLst>
+                  <a:outerShdw blurRad="38100" dist="19050" dir="2700000" algn="tl" rotWithShape="0">
+                    <a:schemeClr val="dk1">
+                      <a:alpha val="40000"/>
+                    </a:schemeClr>
+                  </a:outerShdw>
+                </a:effectLst>
+              </a:rPr>
+              <a:t>"&gt;</a:t>
+            </a:r>
+          </a:p>
+          <a:p>
+            <a:r>
+              <a:rPr lang="en-US" dirty="0">
+                <a:ln w="0"/>
+                <a:solidFill>
+                  <a:schemeClr val="bg1"/>
+                </a:solidFill>
+                <a:effectLst>
+                  <a:outerShdw blurRad="38100" dist="19050" dir="2700000" algn="tl" rotWithShape="0">
+                    <a:schemeClr val="dk1">
+                      <a:alpha val="40000"/>
+                    </a:schemeClr>
+                  </a:outerShdw>
+                </a:effectLst>
+              </a:rPr>
+              <a:t>        &lt;package name="open-</a:t>
+            </a:r>
+            <a:r>
+              <a:rPr lang="en-US" dirty="0" err="1">
+                <a:ln w="0"/>
+                <a:solidFill>
+                  <a:schemeClr val="bg1"/>
+                </a:solidFill>
+                <a:effectLst>
+                  <a:outerShdw blurRad="38100" dist="19050" dir="2700000" algn="tl" rotWithShape="0">
+                    <a:schemeClr val="dk1">
+                      <a:alpha val="40000"/>
+                    </a:schemeClr>
+                  </a:outerShdw>
+                </a:effectLst>
+              </a:rPr>
+              <a:t>vm</a:t>
+            </a:r>
+            <a:r>
+              <a:rPr lang="en-US" dirty="0">
+                <a:ln w="0"/>
+                <a:solidFill>
+                  <a:schemeClr val="bg1"/>
+                </a:solidFill>
+                <a:effectLst>
+                  <a:outerShdw blurRad="38100" dist="19050" dir="2700000" algn="tl" rotWithShape="0">
+                    <a:schemeClr val="dk1">
+                      <a:alpha val="40000"/>
+                    </a:schemeClr>
+                  </a:outerShdw>
+                </a:effectLst>
+              </a:rPr>
+              <a:t>-tools"/&gt;</a:t>
+            </a:r>
+          </a:p>
+          <a:p>
+            <a:r>
+              <a:rPr lang="en-US" dirty="0">
+                <a:ln w="0"/>
+                <a:solidFill>
+                  <a:schemeClr val="bg1"/>
+                </a:solidFill>
+                <a:effectLst>
+                  <a:outerShdw blurRad="38100" dist="19050" dir="2700000" algn="tl" rotWithShape="0">
+                    <a:schemeClr val="dk1">
+                      <a:alpha val="40000"/>
+                    </a:schemeClr>
+                  </a:outerShdw>
+                </a:effectLst>
+              </a:rPr>
+              <a:t> &lt;/packages&gt;</a:t>
+            </a:r>
+          </a:p>
+        </p:txBody>
+      </p:sp>
+    </p:spTree>
+    <p:extLst>
+      <p:ext uri="{BB962C8B-B14F-4D97-AF65-F5344CB8AC3E}">
+        <p14:creationId xmlns:p14="http://schemas.microsoft.com/office/powerpoint/2010/main" val="169613534"/>
+      </p:ext>
+    </p:extLst>
+  </p:cSld>
+  <p:clrMapOvr>
+    <a:masterClrMapping/>
+  </p:clrMapOvr>
+  <mc:AlternateContent xmlns:mc="http://schemas.openxmlformats.org/markup-compatibility/2006" xmlns:p14="http://schemas.microsoft.com/office/powerpoint/2010/main">
+    <mc:Choice Requires="p14">
+      <p:transition spd="med" p14:dur="700">
+        <p:fade/>
+      </p:transition>
+    </mc:Choice>
+    <mc:Fallback xmlns="">
+      <p:transition spd="med">
+        <p:fade/>
+      </p:transition>
+    </mc:Fallback>
+  </mc:AlternateContent>
+</p:sld>
+</file>
+
+<file path=ppt/slides/slide23.xml><?xml version="1.0" encoding="utf-8"?>
+<p:sld xmlns:a="http://schemas.openxmlformats.org/drawingml/2006/main" xmlns:r="http://schemas.openxmlformats.org/officeDocument/2006/relationships" xmlns:p="http://schemas.openxmlformats.org/presentationml/2006/main">
+  <p:cSld>
+    <p:spTree>
+      <p:nvGrpSpPr>
+        <p:cNvPr id="1" name=""/>
+        <p:cNvGrpSpPr/>
+        <p:nvPr/>
+      </p:nvGrpSpPr>
+      <p:grpSpPr>
+        <a:xfrm>
+          <a:off x="0" y="0"/>
+          <a:ext cx="0" cy="0"/>
+          <a:chOff x="0" y="0"/>
+          <a:chExt cx="0" cy="0"/>
+        </a:xfrm>
+      </p:grpSpPr>
+      <p:sp>
+        <p:nvSpPr>
           <p:cNvPr id="2" name="Title 1"/>
           <p:cNvSpPr>
             <a:spLocks noGrp="1"/>
@@ -9484,7 +13611,7 @@
           <a:p>
             <a:r>
               <a:rPr lang="en-US" dirty="0"/>
-              <a:t>Section Title (28pt)</a:t>
+              <a:t>Let’s get to it!</a:t>
             </a:r>
           </a:p>
         </p:txBody>
@@ -9492,7 +13619,7 @@
     </p:spTree>
     <p:extLst>
       <p:ext uri="{BB962C8B-B14F-4D97-AF65-F5344CB8AC3E}">
-        <p14:creationId xmlns:p14="http://schemas.microsoft.com/office/powerpoint/2010/main" val="1571305425"/>
+        <p14:creationId xmlns:p14="http://schemas.microsoft.com/office/powerpoint/2010/main" val="1820310859"/>
       </p:ext>
     </p:extLst>
   </p:cSld>
@@ -9510,7 +13637,278 @@
 </p:sld>
 </file>
 
-<file path=ppt/slides/slide23.xml><?xml version="1.0" encoding="utf-8"?>
+<file path=ppt/slides/slide24.xml><?xml version="1.0" encoding="utf-8"?>
+<p:sld xmlns:a="http://schemas.openxmlformats.org/drawingml/2006/main" xmlns:r="http://schemas.openxmlformats.org/officeDocument/2006/relationships" xmlns:p="http://schemas.openxmlformats.org/presentationml/2006/main">
+  <p:cSld>
+    <p:spTree>
+      <p:nvGrpSpPr>
+        <p:cNvPr id="1" name=""/>
+        <p:cNvGrpSpPr/>
+        <p:nvPr/>
+      </p:nvGrpSpPr>
+      <p:grpSpPr>
+        <a:xfrm>
+          <a:off x="0" y="0"/>
+          <a:ext cx="0" cy="0"/>
+          <a:chOff x="0" y="0"/>
+          <a:chExt cx="0" cy="0"/>
+        </a:xfrm>
+      </p:grpSpPr>
+      <p:sp>
+        <p:nvSpPr>
+          <p:cNvPr id="2" name="Title 1">
+            <a:extLst>
+              <a:ext uri="{FF2B5EF4-FFF2-40B4-BE49-F238E27FC236}">
+                <a16:creationId xmlns:a16="http://schemas.microsoft.com/office/drawing/2014/main" id="{99E1E455-4C43-4595-888E-EE5107FDBF52}"/>
+              </a:ext>
+            </a:extLst>
+          </p:cNvPr>
+          <p:cNvSpPr>
+            <a:spLocks noGrp="1"/>
+          </p:cNvSpPr>
+          <p:nvPr>
+            <p:ph type="title"/>
+          </p:nvPr>
+        </p:nvSpPr>
+        <p:spPr/>
+        <p:txBody>
+          <a:bodyPr/>
+          <a:lstStyle/>
+          <a:p>
+            <a:r>
+              <a:rPr lang="en-US" dirty="0"/>
+              <a:t>LAB</a:t>
+            </a:r>
+          </a:p>
+        </p:txBody>
+      </p:sp>
+      <p:sp>
+        <p:nvSpPr>
+          <p:cNvPr id="3" name="Content Placeholder 2">
+            <a:extLst>
+              <a:ext uri="{FF2B5EF4-FFF2-40B4-BE49-F238E27FC236}">
+                <a16:creationId xmlns:a16="http://schemas.microsoft.com/office/drawing/2014/main" id="{BD73A6AB-D11C-41EF-9A10-713AE439887E}"/>
+              </a:ext>
+            </a:extLst>
+          </p:cNvPr>
+          <p:cNvSpPr>
+            <a:spLocks noGrp="1"/>
+          </p:cNvSpPr>
+          <p:nvPr>
+            <p:ph idx="1"/>
+          </p:nvPr>
+        </p:nvSpPr>
+        <p:spPr>
+          <a:xfrm>
+            <a:off x="874644" y="1127342"/>
+            <a:ext cx="8048130" cy="3537531"/>
+          </a:xfrm>
+        </p:spPr>
+        <p:txBody>
+          <a:bodyPr/>
+          <a:lstStyle/>
+          <a:p>
+            <a:r>
+              <a:rPr lang="en-US" sz="1600" dirty="0">
+                <a:solidFill>
+                  <a:schemeClr val="accent1">
+                    <a:lumMod val="75000"/>
+                  </a:schemeClr>
+                </a:solidFill>
+              </a:rPr>
+              <a:t>Access all the session materials at:</a:t>
+            </a:r>
+          </a:p>
+          <a:p>
+            <a:r>
+              <a:rPr lang="en-US" sz="1600" dirty="0">
+                <a:hlinkClick r:id="rId2"/>
+              </a:rPr>
+              <a:t>https://github.com/darthzen/conferences/tree/master/susecon/2017/HO126885/</a:t>
+            </a:r>
+            <a:endParaRPr lang="en-US" sz="1600" dirty="0"/>
+          </a:p>
+          <a:p>
+            <a:endParaRPr lang="en-US" sz="1600" dirty="0"/>
+          </a:p>
+          <a:p>
+            <a:r>
+              <a:rPr lang="en-US" sz="1600" dirty="0">
+                <a:solidFill>
+                  <a:schemeClr val="accent1">
+                    <a:lumMod val="75000"/>
+                  </a:schemeClr>
+                </a:solidFill>
+              </a:rPr>
+              <a:t>Kiwi Commands:</a:t>
+            </a:r>
+          </a:p>
+          <a:p>
+            <a:endParaRPr lang="en-US" sz="1600" dirty="0"/>
+          </a:p>
+          <a:p>
+            <a:endParaRPr lang="en-US" sz="1600" dirty="0"/>
+          </a:p>
+        </p:txBody>
+      </p:sp>
+      <p:sp>
+        <p:nvSpPr>
+          <p:cNvPr id="4" name="Rectangle 3">
+            <a:extLst>
+              <a:ext uri="{FF2B5EF4-FFF2-40B4-BE49-F238E27FC236}">
+                <a16:creationId xmlns:a16="http://schemas.microsoft.com/office/drawing/2014/main" id="{A7D04F32-2AB5-4FE2-A8CA-DF24929C01FC}"/>
+              </a:ext>
+            </a:extLst>
+          </p:cNvPr>
+          <p:cNvSpPr/>
+          <p:nvPr/>
+        </p:nvSpPr>
+        <p:spPr>
+          <a:xfrm>
+            <a:off x="604684" y="2381867"/>
+            <a:ext cx="8266473" cy="2374487"/>
+          </a:xfrm>
+          <a:prstGeom prst="rect">
+            <a:avLst/>
+          </a:prstGeom>
+          <a:solidFill>
+            <a:schemeClr val="accent6"/>
+          </a:solidFill>
+          <a:ln>
+            <a:noFill/>
+          </a:ln>
+        </p:spPr>
+        <p:style>
+          <a:lnRef idx="0">
+            <a:scrgbClr r="0" g="0" b="0"/>
+          </a:lnRef>
+          <a:fillRef idx="0">
+            <a:scrgbClr r="0" g="0" b="0"/>
+          </a:fillRef>
+          <a:effectRef idx="0">
+            <a:scrgbClr r="0" g="0" b="0"/>
+          </a:effectRef>
+          <a:fontRef idx="minor">
+            <a:schemeClr val="lt1"/>
+          </a:fontRef>
+        </p:style>
+        <p:txBody>
+          <a:bodyPr rtlCol="0" anchor="ctr"/>
+          <a:lstStyle/>
+          <a:p>
+            <a:r>
+              <a:rPr lang="en-US" b="1" u="sng" dirty="0"/>
+              <a:t>Use Cache For Speed</a:t>
+            </a:r>
+          </a:p>
+          <a:p>
+            <a:r>
+              <a:rPr lang="en-US" dirty="0"/>
+              <a:t>kiwi --</a:t>
+            </a:r>
+            <a:r>
+              <a:rPr lang="en-US" dirty="0" err="1"/>
+              <a:t>init</a:t>
+            </a:r>
+            <a:r>
+              <a:rPr lang="en-US" dirty="0"/>
+              <a:t>-cache /</a:t>
+            </a:r>
+            <a:r>
+              <a:rPr lang="en-US" dirty="0" err="1"/>
+              <a:t>usr</a:t>
+            </a:r>
+            <a:r>
+              <a:rPr lang="en-US" dirty="0"/>
+              <a:t>/share/kiwi/image/</a:t>
+            </a:r>
+            <a:r>
+              <a:rPr lang="en-US" dirty="0" err="1"/>
+              <a:t>vmxboot</a:t>
+            </a:r>
+            <a:r>
+              <a:rPr lang="en-US" dirty="0"/>
+              <a:t>/suse-SLES12</a:t>
+            </a:r>
+          </a:p>
+          <a:p>
+            <a:endParaRPr lang="en-US" b="1" u="sng" dirty="0"/>
+          </a:p>
+          <a:p>
+            <a:r>
+              <a:rPr lang="en-US" b="1" u="sng" dirty="0"/>
+              <a:t>Basic</a:t>
+            </a:r>
+          </a:p>
+          <a:p>
+            <a:r>
+              <a:rPr lang="en-US" dirty="0"/>
+              <a:t>kiwi –b &lt;kiwi file path&gt; -d &lt;destination&gt; --cache /</a:t>
+            </a:r>
+            <a:r>
+              <a:rPr lang="en-US" dirty="0" err="1"/>
+              <a:t>var</a:t>
+            </a:r>
+            <a:r>
+              <a:rPr lang="en-US" dirty="0"/>
+              <a:t>/cache/kiwi-images</a:t>
+            </a:r>
+          </a:p>
+          <a:p>
+            <a:endParaRPr lang="en-US" dirty="0"/>
+          </a:p>
+          <a:p>
+            <a:r>
+              <a:rPr lang="en-US" b="1" u="sng" dirty="0"/>
+              <a:t>Profile</a:t>
+            </a:r>
+          </a:p>
+          <a:p>
+            <a:r>
+              <a:rPr lang="en-US" dirty="0"/>
+              <a:t>kiwi –b &lt;file path&gt; -d &lt;</a:t>
+            </a:r>
+            <a:r>
+              <a:rPr lang="en-US" dirty="0" err="1"/>
+              <a:t>dest</a:t>
+            </a:r>
+            <a:r>
+              <a:rPr lang="en-US" dirty="0"/>
+              <a:t>&gt; --cache /</a:t>
+            </a:r>
+            <a:r>
+              <a:rPr lang="en-US" dirty="0" err="1"/>
+              <a:t>var</a:t>
+            </a:r>
+            <a:r>
+              <a:rPr lang="en-US" dirty="0"/>
+              <a:t>/cache/kiwi-images --add-profile &lt;profile&gt; [ --type &lt;image type&gt; ]</a:t>
+            </a:r>
+          </a:p>
+        </p:txBody>
+      </p:sp>
+    </p:spTree>
+    <p:extLst>
+      <p:ext uri="{BB962C8B-B14F-4D97-AF65-F5344CB8AC3E}">
+        <p14:creationId xmlns:p14="http://schemas.microsoft.com/office/powerpoint/2010/main" val="216429679"/>
+      </p:ext>
+    </p:extLst>
+  </p:cSld>
+  <p:clrMapOvr>
+    <a:masterClrMapping/>
+  </p:clrMapOvr>
+  <mc:AlternateContent xmlns:mc="http://schemas.openxmlformats.org/markup-compatibility/2006" xmlns:p14="http://schemas.microsoft.com/office/powerpoint/2010/main">
+    <mc:Choice Requires="p14">
+      <p:transition p14:dur="0"/>
+    </mc:Choice>
+    <mc:Fallback xmlns="">
+      <p:transition/>
+    </mc:Fallback>
+  </mc:AlternateContent>
+</p:sld>
+</file>
+
+<file path=ppt/slides/slide25.xml><?xml version="1.0" encoding="utf-8"?>
 <p:sld xmlns:a="http://schemas.openxmlformats.org/drawingml/2006/main" xmlns:r="http://schemas.openxmlformats.org/officeDocument/2006/relationships" xmlns:p="http://schemas.openxmlformats.org/presentationml/2006/main">
   <p:cSld>
     <p:spTree>
@@ -9548,7 +13946,7 @@
 </p:sld>
 </file>
 
-<file path=ppt/slides/slide24.xml><?xml version="1.0" encoding="utf-8"?>
+<file path=ppt/slides/slide26.xml><?xml version="1.0" encoding="utf-8"?>
 <p:sld xmlns:a="http://schemas.openxmlformats.org/drawingml/2006/main" xmlns:r="http://schemas.openxmlformats.org/officeDocument/2006/relationships" xmlns:p="http://schemas.openxmlformats.org/presentationml/2006/main">
   <p:cSld>
     <p:spTree>
